--- a/NYCNETDevs072019/slides/InteractiveProgrammingFSharp.pptx
+++ b/NYCNETDevs072019/slides/InteractiveProgrammingFSharp.pptx
@@ -9716,8 +9716,8 @@
         <a:lstStyle/>
         <a:p>
           <a:r>
-            <a:rPr lang="en-US"/>
-            <a:t>REPL</a:t>
+            <a:rPr lang="en-US" dirty="0"/>
+            <a:t>REPL / F# Scripts</a:t>
           </a:r>
         </a:p>
       </dgm:t>
@@ -10864,6 +10864,11 @@
         <a:bodyPr/>
         <a:lstStyle/>
         <a:p>
+          <a:pPr>
+            <a:lnSpc>
+              <a:spcPct val="100000"/>
+            </a:lnSpc>
+          </a:pPr>
           <a:r>
             <a:rPr lang="en-US" dirty="0"/>
             <a:t>Interactive</a:t>
@@ -10900,6 +10905,11 @@
         <a:bodyPr/>
         <a:lstStyle/>
         <a:p>
+          <a:pPr>
+            <a:lnSpc>
+              <a:spcPct val="100000"/>
+            </a:lnSpc>
+          </a:pPr>
           <a:r>
             <a:rPr lang="en-US"/>
             <a:t>Reproducible?</a:t>
@@ -10936,6 +10946,11 @@
         <a:bodyPr/>
         <a:lstStyle/>
         <a:p>
+          <a:pPr>
+            <a:lnSpc>
+              <a:spcPct val="100000"/>
+            </a:lnSpc>
+          </a:pPr>
           <a:r>
             <a:rPr lang="en-US"/>
             <a:t>Documented?</a:t>
@@ -10972,8 +10987,13 @@
         <a:bodyPr/>
         <a:lstStyle/>
         <a:p>
+          <a:pPr>
+            <a:lnSpc>
+              <a:spcPct val="100000"/>
+            </a:lnSpc>
+          </a:pPr>
           <a:r>
-            <a:rPr lang="en-US"/>
+            <a:rPr lang="en-US" dirty="0"/>
             <a:t>Collaborative?</a:t>
           </a:r>
         </a:p>
@@ -11001,6 +11021,47 @@
         </a:p>
       </dgm:t>
     </dgm:pt>
+    <dgm:pt modelId="{A68DB9A8-BB85-48AB-BB07-6EC0F88B212A}">
+      <dgm:prSet/>
+      <dgm:spPr/>
+      <dgm:t>
+        <a:bodyPr/>
+        <a:lstStyle/>
+        <a:p>
+          <a:pPr>
+            <a:lnSpc>
+              <a:spcPct val="100000"/>
+            </a:lnSpc>
+          </a:pPr>
+          <a:r>
+            <a:rPr lang="en-US" dirty="0"/>
+            <a:t>Extensible?</a:t>
+          </a:r>
+        </a:p>
+      </dgm:t>
+    </dgm:pt>
+    <dgm:pt modelId="{B2405860-AA66-4EAA-B5E8-1CBF3EC64098}" type="parTrans" cxnId="{A707E5FB-DF55-4709-9617-700F8821A01B}">
+      <dgm:prSet/>
+      <dgm:spPr/>
+      <dgm:t>
+        <a:bodyPr/>
+        <a:lstStyle/>
+        <a:p>
+          <a:endParaRPr lang="en-US"/>
+        </a:p>
+      </dgm:t>
+    </dgm:pt>
+    <dgm:pt modelId="{5DC0B418-BED7-4077-A2BB-12C1846EFEF4}" type="sibTrans" cxnId="{A707E5FB-DF55-4709-9617-700F8821A01B}">
+      <dgm:prSet/>
+      <dgm:spPr/>
+      <dgm:t>
+        <a:bodyPr/>
+        <a:lstStyle/>
+        <a:p>
+          <a:endParaRPr lang="en-US"/>
+        </a:p>
+      </dgm:t>
+    </dgm:pt>
     <dgm:pt modelId="{536F56AA-7AB3-405C-A848-A4F9191CD97E}" type="pres">
       <dgm:prSet presAssocID="{4FF31385-CBF6-4EFB-A500-74A8A840699E}" presName="root" presStyleCnt="0">
         <dgm:presLayoutVars>
@@ -11015,11 +11076,11 @@
       <dgm:spPr/>
     </dgm:pt>
     <dgm:pt modelId="{0C86BC8B-832B-4794-86E3-A75F7D404142}" type="pres">
-      <dgm:prSet presAssocID="{200A1735-6845-4961-ABE5-F675EEB56450}" presName="bgRect" presStyleLbl="bgShp" presStyleIdx="0" presStyleCnt="4"/>
+      <dgm:prSet presAssocID="{200A1735-6845-4961-ABE5-F675EEB56450}" presName="bgRect" presStyleLbl="bgShp" presStyleIdx="0" presStyleCnt="5"/>
       <dgm:spPr/>
     </dgm:pt>
     <dgm:pt modelId="{4A11E9EF-6E65-48D4-92A3-9DD84EBD772B}" type="pres">
-      <dgm:prSet presAssocID="{200A1735-6845-4961-ABE5-F675EEB56450}" presName="iconRect" presStyleLbl="node1" presStyleIdx="0" presStyleCnt="4"/>
+      <dgm:prSet presAssocID="{200A1735-6845-4961-ABE5-F675EEB56450}" presName="iconRect" presStyleLbl="node1" presStyleIdx="0" presStyleCnt="5"/>
       <dgm:spPr>
         <a:blipFill>
           <a:blip xmlns:r="http://schemas.openxmlformats.org/officeDocument/2006/relationships" r:embed="rId1">
@@ -11052,7 +11113,7 @@
       <dgm:spPr/>
     </dgm:pt>
     <dgm:pt modelId="{E1125127-F634-4741-A019-9EFF35A9B10A}" type="pres">
-      <dgm:prSet presAssocID="{200A1735-6845-4961-ABE5-F675EEB56450}" presName="parTx" presStyleLbl="revTx" presStyleIdx="0" presStyleCnt="4">
+      <dgm:prSet presAssocID="{200A1735-6845-4961-ABE5-F675EEB56450}" presName="parTx" presStyleLbl="revTx" presStyleIdx="0" presStyleCnt="5">
         <dgm:presLayoutVars>
           <dgm:chMax val="0"/>
           <dgm:chPref val="0"/>
@@ -11069,11 +11130,11 @@
       <dgm:spPr/>
     </dgm:pt>
     <dgm:pt modelId="{CE4C2EF8-586A-43CE-9F9A-D2138B75F0BB}" type="pres">
-      <dgm:prSet presAssocID="{08D67543-B6FF-4168-80BF-70834D24D082}" presName="bgRect" presStyleLbl="bgShp" presStyleIdx="1" presStyleCnt="4"/>
+      <dgm:prSet presAssocID="{08D67543-B6FF-4168-80BF-70834D24D082}" presName="bgRect" presStyleLbl="bgShp" presStyleIdx="1" presStyleCnt="5"/>
       <dgm:spPr/>
     </dgm:pt>
     <dgm:pt modelId="{E9DE965B-AA4A-4627-937D-E18FE07D8A6B}" type="pres">
-      <dgm:prSet presAssocID="{08D67543-B6FF-4168-80BF-70834D24D082}" presName="iconRect" presStyleLbl="node1" presStyleIdx="1" presStyleCnt="4"/>
+      <dgm:prSet presAssocID="{08D67543-B6FF-4168-80BF-70834D24D082}" presName="iconRect" presStyleLbl="node1" presStyleIdx="1" presStyleCnt="5"/>
       <dgm:spPr>
         <a:blipFill>
           <a:blip xmlns:r="http://schemas.openxmlformats.org/officeDocument/2006/relationships" r:embed="rId3">
@@ -11105,7 +11166,7 @@
       <dgm:spPr/>
     </dgm:pt>
     <dgm:pt modelId="{C9ACB0CF-50C4-4E9D-9DC6-85E39239F08E}" type="pres">
-      <dgm:prSet presAssocID="{08D67543-B6FF-4168-80BF-70834D24D082}" presName="parTx" presStyleLbl="revTx" presStyleIdx="1" presStyleCnt="4">
+      <dgm:prSet presAssocID="{08D67543-B6FF-4168-80BF-70834D24D082}" presName="parTx" presStyleLbl="revTx" presStyleIdx="1" presStyleCnt="5">
         <dgm:presLayoutVars>
           <dgm:chMax val="0"/>
           <dgm:chPref val="0"/>
@@ -11122,11 +11183,11 @@
       <dgm:spPr/>
     </dgm:pt>
     <dgm:pt modelId="{036E08A6-62E0-41F4-9E85-FE86CD1A7507}" type="pres">
-      <dgm:prSet presAssocID="{4AF51553-A078-4EA4-BB17-26B58EE5639F}" presName="bgRect" presStyleLbl="bgShp" presStyleIdx="2" presStyleCnt="4"/>
+      <dgm:prSet presAssocID="{4AF51553-A078-4EA4-BB17-26B58EE5639F}" presName="bgRect" presStyleLbl="bgShp" presStyleIdx="2" presStyleCnt="5"/>
       <dgm:spPr/>
     </dgm:pt>
     <dgm:pt modelId="{A5E60C38-5793-46B6-9E7A-06DD03F140B9}" type="pres">
-      <dgm:prSet presAssocID="{4AF51553-A078-4EA4-BB17-26B58EE5639F}" presName="iconRect" presStyleLbl="node1" presStyleIdx="2" presStyleCnt="4"/>
+      <dgm:prSet presAssocID="{4AF51553-A078-4EA4-BB17-26B58EE5639F}" presName="iconRect" presStyleLbl="node1" presStyleIdx="2" presStyleCnt="5"/>
       <dgm:spPr>
         <a:blipFill>
           <a:blip xmlns:r="http://schemas.openxmlformats.org/officeDocument/2006/relationships" r:embed="rId5">
@@ -11158,7 +11219,7 @@
       <dgm:spPr/>
     </dgm:pt>
     <dgm:pt modelId="{E4B1BB53-DC23-4240-8BF2-625D2167A62F}" type="pres">
-      <dgm:prSet presAssocID="{4AF51553-A078-4EA4-BB17-26B58EE5639F}" presName="parTx" presStyleLbl="revTx" presStyleIdx="2" presStyleCnt="4">
+      <dgm:prSet presAssocID="{4AF51553-A078-4EA4-BB17-26B58EE5639F}" presName="parTx" presStyleLbl="revTx" presStyleIdx="2" presStyleCnt="5">
         <dgm:presLayoutVars>
           <dgm:chMax val="0"/>
           <dgm:chPref val="0"/>
@@ -11175,11 +11236,11 @@
       <dgm:spPr/>
     </dgm:pt>
     <dgm:pt modelId="{9537C8C8-C594-4169-AFEC-09CC521CB343}" type="pres">
-      <dgm:prSet presAssocID="{E099B2BC-4933-4E8C-AE8C-BB59584EC5A6}" presName="bgRect" presStyleLbl="bgShp" presStyleIdx="3" presStyleCnt="4"/>
+      <dgm:prSet presAssocID="{E099B2BC-4933-4E8C-AE8C-BB59584EC5A6}" presName="bgRect" presStyleLbl="bgShp" presStyleIdx="3" presStyleCnt="5"/>
       <dgm:spPr/>
     </dgm:pt>
     <dgm:pt modelId="{BBE55925-289B-4931-AA8A-494C46B30C16}" type="pres">
-      <dgm:prSet presAssocID="{E099B2BC-4933-4E8C-AE8C-BB59584EC5A6}" presName="iconRect" presStyleLbl="node1" presStyleIdx="3" presStyleCnt="4"/>
+      <dgm:prSet presAssocID="{E099B2BC-4933-4E8C-AE8C-BB59584EC5A6}" presName="iconRect" presStyleLbl="node1" presStyleIdx="3" presStyleCnt="5"/>
       <dgm:spPr>
         <a:blipFill>
           <a:blip xmlns:r="http://schemas.openxmlformats.org/officeDocument/2006/relationships" r:embed="rId7">
@@ -11211,7 +11272,55 @@
       <dgm:spPr/>
     </dgm:pt>
     <dgm:pt modelId="{77C0BA9D-BFA0-4CE1-8680-AB53FC92260E}" type="pres">
-      <dgm:prSet presAssocID="{E099B2BC-4933-4E8C-AE8C-BB59584EC5A6}" presName="parTx" presStyleLbl="revTx" presStyleIdx="3" presStyleCnt="4">
+      <dgm:prSet presAssocID="{E099B2BC-4933-4E8C-AE8C-BB59584EC5A6}" presName="parTx" presStyleLbl="revTx" presStyleIdx="3" presStyleCnt="5">
+        <dgm:presLayoutVars>
+          <dgm:chMax val="0"/>
+          <dgm:chPref val="0"/>
+        </dgm:presLayoutVars>
+      </dgm:prSet>
+      <dgm:spPr/>
+    </dgm:pt>
+    <dgm:pt modelId="{9E2EF8CE-ACD2-4801-BD24-0D665C1F70C6}" type="pres">
+      <dgm:prSet presAssocID="{48F46613-6594-46A9-9EAC-DB91C230CA7A}" presName="sibTrans" presStyleCnt="0"/>
+      <dgm:spPr/>
+    </dgm:pt>
+    <dgm:pt modelId="{31B4F29F-D3DE-44FD-840A-A6B86542B381}" type="pres">
+      <dgm:prSet presAssocID="{A68DB9A8-BB85-48AB-BB07-6EC0F88B212A}" presName="compNode" presStyleCnt="0"/>
+      <dgm:spPr/>
+    </dgm:pt>
+    <dgm:pt modelId="{9BD4E77F-7DD9-4D4E-A8BA-74F606CABF3D}" type="pres">
+      <dgm:prSet presAssocID="{A68DB9A8-BB85-48AB-BB07-6EC0F88B212A}" presName="bgRect" presStyleLbl="bgShp" presStyleIdx="4" presStyleCnt="5"/>
+      <dgm:spPr/>
+    </dgm:pt>
+    <dgm:pt modelId="{AB6ABFF9-EFED-4198-A04D-4B9D90C3F8A3}" type="pres">
+      <dgm:prSet presAssocID="{A68DB9A8-BB85-48AB-BB07-6EC0F88B212A}" presName="iconRect" presStyleLbl="node1" presStyleIdx="4" presStyleCnt="5"/>
+      <dgm:spPr>
+        <a:blipFill>
+          <a:blip xmlns:r="http://schemas.openxmlformats.org/officeDocument/2006/relationships" r:embed="rId9">
+            <a:extLst>
+              <a:ext uri="{96DAC541-7B7A-43D3-8B79-37D633B846F1}">
+                <asvg:svgBlip xmlns:asvg="http://schemas.microsoft.com/office/drawing/2016/SVG/main" r:embed="rId10"/>
+              </a:ext>
+            </a:extLst>
+          </a:blip>
+          <a:srcRect/>
+          <a:stretch>
+            <a:fillRect/>
+          </a:stretch>
+        </a:blipFill>
+      </dgm:spPr>
+      <dgm:extLst>
+        <a:ext uri="{E40237B7-FDA0-4F09-8148-C483321AD2D9}">
+          <dgm14:cNvPr xmlns:dgm14="http://schemas.microsoft.com/office/drawing/2010/diagram" id="0" name="" descr="Repeat"/>
+        </a:ext>
+      </dgm:extLst>
+    </dgm:pt>
+    <dgm:pt modelId="{76BA3FA6-D411-45D8-A82C-14812F234818}" type="pres">
+      <dgm:prSet presAssocID="{A68DB9A8-BB85-48AB-BB07-6EC0F88B212A}" presName="spaceRect" presStyleCnt="0"/>
+      <dgm:spPr/>
+    </dgm:pt>
+    <dgm:pt modelId="{01518861-1A69-47B5-AC6F-644A7C37CE4F}" type="pres">
+      <dgm:prSet presAssocID="{A68DB9A8-BB85-48AB-BB07-6EC0F88B212A}" presName="parTx" presStyleLbl="revTx" presStyleIdx="4" presStyleCnt="5">
         <dgm:presLayoutVars>
           <dgm:chMax val="0"/>
           <dgm:chPref val="0"/>
@@ -11223,6 +11332,7 @@
   <dgm:cxnLst>
     <dgm:cxn modelId="{2ACCF514-594C-4C8F-8500-0587692C2309}" type="presOf" srcId="{E099B2BC-4933-4E8C-AE8C-BB59584EC5A6}" destId="{77C0BA9D-BFA0-4CE1-8680-AB53FC92260E}" srcOrd="0" destOrd="0" presId="urn:microsoft.com/office/officeart/2018/2/layout/IconVerticalSolidList"/>
     <dgm:cxn modelId="{52190B28-47C3-454A-A30E-D53AF9A89E34}" srcId="{4FF31385-CBF6-4EFB-A500-74A8A840699E}" destId="{E099B2BC-4933-4E8C-AE8C-BB59584EC5A6}" srcOrd="3" destOrd="0" parTransId="{293788BD-BDFF-45DF-8A3C-A74A6275689E}" sibTransId="{48F46613-6594-46A9-9EAC-DB91C230CA7A}"/>
+    <dgm:cxn modelId="{FE47183D-6E68-44B1-B61E-E8B8A59FAE2D}" type="presOf" srcId="{A68DB9A8-BB85-48AB-BB07-6EC0F88B212A}" destId="{01518861-1A69-47B5-AC6F-644A7C37CE4F}" srcOrd="0" destOrd="0" presId="urn:microsoft.com/office/officeart/2018/2/layout/IconVerticalSolidList"/>
     <dgm:cxn modelId="{459B273F-5B43-40DD-8738-94B5709BF143}" srcId="{4FF31385-CBF6-4EFB-A500-74A8A840699E}" destId="{4AF51553-A078-4EA4-BB17-26B58EE5639F}" srcOrd="2" destOrd="0" parTransId="{B852659A-616E-483C-A400-937CF68D16B3}" sibTransId="{6F0E6C02-7CC0-4E20-B433-2380387E5C19}"/>
     <dgm:cxn modelId="{90FC7F62-3115-4F13-8D56-63BA618E6FE6}" type="presOf" srcId="{4AF51553-A078-4EA4-BB17-26B58EE5639F}" destId="{E4B1BB53-DC23-4240-8BF2-625D2167A62F}" srcOrd="0" destOrd="0" presId="urn:microsoft.com/office/officeart/2018/2/layout/IconVerticalSolidList"/>
     <dgm:cxn modelId="{D2AE5B4C-8398-442D-B0E4-D30C9C3B399A}" type="presOf" srcId="{4FF31385-CBF6-4EFB-A500-74A8A840699E}" destId="{536F56AA-7AB3-405C-A848-A4F9191CD97E}" srcOrd="0" destOrd="0" presId="urn:microsoft.com/office/officeart/2018/2/layout/IconVerticalSolidList"/>
@@ -11230,6 +11340,7 @@
     <dgm:cxn modelId="{84BE1C99-14F4-4B95-AF02-F8C8BF8C8D7A}" type="presOf" srcId="{08D67543-B6FF-4168-80BF-70834D24D082}" destId="{C9ACB0CF-50C4-4E9D-9DC6-85E39239F08E}" srcOrd="0" destOrd="0" presId="urn:microsoft.com/office/officeart/2018/2/layout/IconVerticalSolidList"/>
     <dgm:cxn modelId="{644807B3-B031-4A59-B74D-C5688742224A}" type="presOf" srcId="{200A1735-6845-4961-ABE5-F675EEB56450}" destId="{E1125127-F634-4741-A019-9EFF35A9B10A}" srcOrd="0" destOrd="0" presId="urn:microsoft.com/office/officeart/2018/2/layout/IconVerticalSolidList"/>
     <dgm:cxn modelId="{DAA846E5-CA35-4F9A-9E20-F78D52FFA09A}" srcId="{4FF31385-CBF6-4EFB-A500-74A8A840699E}" destId="{200A1735-6845-4961-ABE5-F675EEB56450}" srcOrd="0" destOrd="0" parTransId="{DACC46D3-C9C3-4076-98A0-96F68A408049}" sibTransId="{7E5D543A-288B-4FC5-ABA6-09F61E4FE276}"/>
+    <dgm:cxn modelId="{A707E5FB-DF55-4709-9617-700F8821A01B}" srcId="{4FF31385-CBF6-4EFB-A500-74A8A840699E}" destId="{A68DB9A8-BB85-48AB-BB07-6EC0F88B212A}" srcOrd="4" destOrd="0" parTransId="{B2405860-AA66-4EAA-B5E8-1CBF3EC64098}" sibTransId="{5DC0B418-BED7-4077-A2BB-12C1846EFEF4}"/>
     <dgm:cxn modelId="{FE99D7E6-A001-480A-A075-57C92D7CB5EC}" type="presParOf" srcId="{536F56AA-7AB3-405C-A848-A4F9191CD97E}" destId="{9241C435-E056-4047-8097-4DCF55B92496}" srcOrd="0" destOrd="0" presId="urn:microsoft.com/office/officeart/2018/2/layout/IconVerticalSolidList"/>
     <dgm:cxn modelId="{B153BFBF-D0BB-4523-9BEE-DF78915609E2}" type="presParOf" srcId="{9241C435-E056-4047-8097-4DCF55B92496}" destId="{0C86BC8B-832B-4794-86E3-A75F7D404142}" srcOrd="0" destOrd="0" presId="urn:microsoft.com/office/officeart/2018/2/layout/IconVerticalSolidList"/>
     <dgm:cxn modelId="{6835CA3E-4712-4051-B3AD-0A5ED3078274}" type="presParOf" srcId="{9241C435-E056-4047-8097-4DCF55B92496}" destId="{4A11E9EF-6E65-48D4-92A3-9DD84EBD772B}" srcOrd="1" destOrd="0" presId="urn:microsoft.com/office/officeart/2018/2/layout/IconVerticalSolidList"/>
@@ -11253,6 +11364,12 @@
     <dgm:cxn modelId="{82E47FD3-0A4A-4EE6-BF79-612B465258D4}" type="presParOf" srcId="{49DBFA42-E970-4EA7-9B9C-30CB0B11BA0A}" destId="{BBE55925-289B-4931-AA8A-494C46B30C16}" srcOrd="1" destOrd="0" presId="urn:microsoft.com/office/officeart/2018/2/layout/IconVerticalSolidList"/>
     <dgm:cxn modelId="{92467FE1-0110-4EB2-BD5A-3312D388F18B}" type="presParOf" srcId="{49DBFA42-E970-4EA7-9B9C-30CB0B11BA0A}" destId="{D0C3D617-208F-49DB-BB23-25D37DB76C69}" srcOrd="2" destOrd="0" presId="urn:microsoft.com/office/officeart/2018/2/layout/IconVerticalSolidList"/>
     <dgm:cxn modelId="{FD9177C8-97A5-40F4-A25C-AB5BE7672479}" type="presParOf" srcId="{49DBFA42-E970-4EA7-9B9C-30CB0B11BA0A}" destId="{77C0BA9D-BFA0-4CE1-8680-AB53FC92260E}" srcOrd="3" destOrd="0" presId="urn:microsoft.com/office/officeart/2018/2/layout/IconVerticalSolidList"/>
+    <dgm:cxn modelId="{F7FECA25-AC6C-4D20-80DC-A16FEF57A9F2}" type="presParOf" srcId="{536F56AA-7AB3-405C-A848-A4F9191CD97E}" destId="{9E2EF8CE-ACD2-4801-BD24-0D665C1F70C6}" srcOrd="7" destOrd="0" presId="urn:microsoft.com/office/officeart/2018/2/layout/IconVerticalSolidList"/>
+    <dgm:cxn modelId="{3897EF74-2424-43C8-AB7A-C2A98B3D4C65}" type="presParOf" srcId="{536F56AA-7AB3-405C-A848-A4F9191CD97E}" destId="{31B4F29F-D3DE-44FD-840A-A6B86542B381}" srcOrd="8" destOrd="0" presId="urn:microsoft.com/office/officeart/2018/2/layout/IconVerticalSolidList"/>
+    <dgm:cxn modelId="{E7A2C34D-3B41-427B-9CDD-E06C0112DADA}" type="presParOf" srcId="{31B4F29F-D3DE-44FD-840A-A6B86542B381}" destId="{9BD4E77F-7DD9-4D4E-A8BA-74F606CABF3D}" srcOrd="0" destOrd="0" presId="urn:microsoft.com/office/officeart/2018/2/layout/IconVerticalSolidList"/>
+    <dgm:cxn modelId="{D660A40D-0C19-4940-AB0B-E6EF4D0F5586}" type="presParOf" srcId="{31B4F29F-D3DE-44FD-840A-A6B86542B381}" destId="{AB6ABFF9-EFED-4198-A04D-4B9D90C3F8A3}" srcOrd="1" destOrd="0" presId="urn:microsoft.com/office/officeart/2018/2/layout/IconVerticalSolidList"/>
+    <dgm:cxn modelId="{3A72E16D-95FA-4158-9A11-9D8C9E120BB6}" type="presParOf" srcId="{31B4F29F-D3DE-44FD-840A-A6B86542B381}" destId="{76BA3FA6-D411-45D8-A82C-14812F234818}" srcOrd="2" destOrd="0" presId="urn:microsoft.com/office/officeart/2018/2/layout/IconVerticalSolidList"/>
+    <dgm:cxn modelId="{34C7B304-EAB2-4D04-AD9F-76A9A580BE69}" type="presParOf" srcId="{31B4F29F-D3DE-44FD-840A-A6B86542B381}" destId="{01518861-1A69-47B5-AC6F-644A7C37CE4F}" srcOrd="3" destOrd="0" presId="urn:microsoft.com/office/officeart/2018/2/layout/IconVerticalSolidList"/>
   </dgm:cxnLst>
   <dgm:bg/>
   <dgm:whole/>
@@ -15398,8 +15515,8 @@
             <a:buNone/>
           </a:pPr>
           <a:r>
-            <a:rPr lang="en-US" sz="1200" kern="1200"/>
-            <a:t>REPL</a:t>
+            <a:rPr lang="en-US" sz="1200" kern="1200" dirty="0"/>
+            <a:t>REPL / F# Scripts</a:t>
           </a:r>
         </a:p>
         <a:p>
@@ -16697,8 +16814,8 @@
       </dsp:nvSpPr>
       <dsp:spPr>
         <a:xfrm>
-          <a:off x="0" y="2442"/>
-          <a:ext cx="6513603" cy="1238008"/>
+          <a:off x="0" y="4597"/>
+          <a:ext cx="6513603" cy="979371"/>
         </a:xfrm>
         <a:prstGeom prst="roundRect">
           <a:avLst>
@@ -16739,8 +16856,8 @@
       </dsp:nvSpPr>
       <dsp:spPr>
         <a:xfrm>
-          <a:off x="374497" y="280994"/>
-          <a:ext cx="680904" cy="680904"/>
+          <a:off x="296259" y="224956"/>
+          <a:ext cx="538654" cy="538654"/>
         </a:xfrm>
         <a:prstGeom prst="rect">
           <a:avLst/>
@@ -16790,8 +16907,8 @@
       </dsp:nvSpPr>
       <dsp:spPr>
         <a:xfrm>
-          <a:off x="1429899" y="2442"/>
-          <a:ext cx="5083704" cy="1238008"/>
+          <a:off x="1131174" y="4597"/>
+          <a:ext cx="5382429" cy="979371"/>
         </a:xfrm>
         <a:prstGeom prst="rect">
           <a:avLst/>
@@ -16815,14 +16932,14 @@
         <a:fontRef idx="minor"/>
       </dsp:style>
       <dsp:txBody>
-        <a:bodyPr spcFirstLastPara="0" vert="horz" wrap="square" lIns="131023" tIns="131023" rIns="131023" bIns="131023" numCol="1" spcCol="1270" anchor="ctr" anchorCtr="0">
+        <a:bodyPr spcFirstLastPara="0" vert="horz" wrap="square" lIns="103650" tIns="103650" rIns="103650" bIns="103650" numCol="1" spcCol="1270" anchor="ctr" anchorCtr="0">
           <a:noAutofit/>
         </a:bodyPr>
         <a:lstStyle/>
         <a:p>
-          <a:pPr marL="0" lvl="0" indent="0" algn="l" defTabSz="977900">
+          <a:pPr marL="0" lvl="0" indent="0" algn="l" defTabSz="844550">
             <a:lnSpc>
-              <a:spcPct val="90000"/>
+              <a:spcPct val="100000"/>
             </a:lnSpc>
             <a:spcBef>
               <a:spcPct val="0"/>
@@ -16833,14 +16950,14 @@
             <a:buNone/>
           </a:pPr>
           <a:r>
-            <a:rPr lang="en-US" sz="2200" kern="1200" dirty="0"/>
+            <a:rPr lang="en-US" sz="1900" kern="1200" dirty="0"/>
             <a:t>Interactive</a:t>
           </a:r>
         </a:p>
       </dsp:txBody>
       <dsp:txXfrm>
-        <a:off x="1429899" y="2442"/>
-        <a:ext cx="5083704" cy="1238008"/>
+        <a:off x="1131174" y="4597"/>
+        <a:ext cx="5382429" cy="979371"/>
       </dsp:txXfrm>
     </dsp:sp>
     <dsp:sp modelId="{CE4C2EF8-586A-43CE-9F9A-D2138B75F0BB}">
@@ -16850,8 +16967,8 @@
       </dsp:nvSpPr>
       <dsp:spPr>
         <a:xfrm>
-          <a:off x="0" y="1549953"/>
-          <a:ext cx="6513603" cy="1238008"/>
+          <a:off x="0" y="1228812"/>
+          <a:ext cx="6513603" cy="979371"/>
         </a:xfrm>
         <a:prstGeom prst="roundRect">
           <a:avLst>
@@ -16892,8 +17009,8 @@
       </dsp:nvSpPr>
       <dsp:spPr>
         <a:xfrm>
-          <a:off x="374497" y="1828505"/>
-          <a:ext cx="680904" cy="680904"/>
+          <a:off x="296259" y="1449171"/>
+          <a:ext cx="538654" cy="538654"/>
         </a:xfrm>
         <a:prstGeom prst="rect">
           <a:avLst/>
@@ -16942,8 +17059,8 @@
       </dsp:nvSpPr>
       <dsp:spPr>
         <a:xfrm>
-          <a:off x="1429899" y="1549953"/>
-          <a:ext cx="5083704" cy="1238008"/>
+          <a:off x="1131174" y="1228812"/>
+          <a:ext cx="5382429" cy="979371"/>
         </a:xfrm>
         <a:prstGeom prst="rect">
           <a:avLst/>
@@ -16967,14 +17084,14 @@
         <a:fontRef idx="minor"/>
       </dsp:style>
       <dsp:txBody>
-        <a:bodyPr spcFirstLastPara="0" vert="horz" wrap="square" lIns="131023" tIns="131023" rIns="131023" bIns="131023" numCol="1" spcCol="1270" anchor="ctr" anchorCtr="0">
+        <a:bodyPr spcFirstLastPara="0" vert="horz" wrap="square" lIns="103650" tIns="103650" rIns="103650" bIns="103650" numCol="1" spcCol="1270" anchor="ctr" anchorCtr="0">
           <a:noAutofit/>
         </a:bodyPr>
         <a:lstStyle/>
         <a:p>
-          <a:pPr marL="0" lvl="0" indent="0" algn="l" defTabSz="977900">
+          <a:pPr marL="0" lvl="0" indent="0" algn="l" defTabSz="844550">
             <a:lnSpc>
-              <a:spcPct val="90000"/>
+              <a:spcPct val="100000"/>
             </a:lnSpc>
             <a:spcBef>
               <a:spcPct val="0"/>
@@ -16985,14 +17102,14 @@
             <a:buNone/>
           </a:pPr>
           <a:r>
-            <a:rPr lang="en-US" sz="2200" kern="1200"/>
+            <a:rPr lang="en-US" sz="1900" kern="1200"/>
             <a:t>Reproducible?</a:t>
           </a:r>
         </a:p>
       </dsp:txBody>
       <dsp:txXfrm>
-        <a:off x="1429899" y="1549953"/>
-        <a:ext cx="5083704" cy="1238008"/>
+        <a:off x="1131174" y="1228812"/>
+        <a:ext cx="5382429" cy="979371"/>
       </dsp:txXfrm>
     </dsp:sp>
     <dsp:sp modelId="{036E08A6-62E0-41F4-9E85-FE86CD1A7507}">
@@ -17002,8 +17119,8 @@
       </dsp:nvSpPr>
       <dsp:spPr>
         <a:xfrm>
-          <a:off x="0" y="3097464"/>
-          <a:ext cx="6513603" cy="1238008"/>
+          <a:off x="0" y="2453027"/>
+          <a:ext cx="6513603" cy="979371"/>
         </a:xfrm>
         <a:prstGeom prst="roundRect">
           <a:avLst>
@@ -17044,8 +17161,8 @@
       </dsp:nvSpPr>
       <dsp:spPr>
         <a:xfrm>
-          <a:off x="374497" y="3376015"/>
-          <a:ext cx="680904" cy="680904"/>
+          <a:off x="296259" y="2673385"/>
+          <a:ext cx="538654" cy="538654"/>
         </a:xfrm>
         <a:prstGeom prst="rect">
           <a:avLst/>
@@ -17094,8 +17211,8 @@
       </dsp:nvSpPr>
       <dsp:spPr>
         <a:xfrm>
-          <a:off x="1429899" y="3097464"/>
-          <a:ext cx="5083704" cy="1238008"/>
+          <a:off x="1131174" y="2453027"/>
+          <a:ext cx="5382429" cy="979371"/>
         </a:xfrm>
         <a:prstGeom prst="rect">
           <a:avLst/>
@@ -17119,14 +17236,14 @@
         <a:fontRef idx="minor"/>
       </dsp:style>
       <dsp:txBody>
-        <a:bodyPr spcFirstLastPara="0" vert="horz" wrap="square" lIns="131023" tIns="131023" rIns="131023" bIns="131023" numCol="1" spcCol="1270" anchor="ctr" anchorCtr="0">
+        <a:bodyPr spcFirstLastPara="0" vert="horz" wrap="square" lIns="103650" tIns="103650" rIns="103650" bIns="103650" numCol="1" spcCol="1270" anchor="ctr" anchorCtr="0">
           <a:noAutofit/>
         </a:bodyPr>
         <a:lstStyle/>
         <a:p>
-          <a:pPr marL="0" lvl="0" indent="0" algn="l" defTabSz="977900">
+          <a:pPr marL="0" lvl="0" indent="0" algn="l" defTabSz="844550">
             <a:lnSpc>
-              <a:spcPct val="90000"/>
+              <a:spcPct val="100000"/>
             </a:lnSpc>
             <a:spcBef>
               <a:spcPct val="0"/>
@@ -17137,14 +17254,14 @@
             <a:buNone/>
           </a:pPr>
           <a:r>
-            <a:rPr lang="en-US" sz="2200" kern="1200"/>
+            <a:rPr lang="en-US" sz="1900" kern="1200"/>
             <a:t>Documented?</a:t>
           </a:r>
         </a:p>
       </dsp:txBody>
       <dsp:txXfrm>
-        <a:off x="1429899" y="3097464"/>
-        <a:ext cx="5083704" cy="1238008"/>
+        <a:off x="1131174" y="2453027"/>
+        <a:ext cx="5382429" cy="979371"/>
       </dsp:txXfrm>
     </dsp:sp>
     <dsp:sp modelId="{9537C8C8-C594-4169-AFEC-09CC521CB343}">
@@ -17154,8 +17271,8 @@
       </dsp:nvSpPr>
       <dsp:spPr>
         <a:xfrm>
-          <a:off x="0" y="4644974"/>
-          <a:ext cx="6513603" cy="1238008"/>
+          <a:off x="0" y="3677241"/>
+          <a:ext cx="6513603" cy="979371"/>
         </a:xfrm>
         <a:prstGeom prst="roundRect">
           <a:avLst>
@@ -17196,8 +17313,8 @@
       </dsp:nvSpPr>
       <dsp:spPr>
         <a:xfrm>
-          <a:off x="374497" y="4923526"/>
-          <a:ext cx="680904" cy="680904"/>
+          <a:off x="296259" y="3897600"/>
+          <a:ext cx="538654" cy="538654"/>
         </a:xfrm>
         <a:prstGeom prst="rect">
           <a:avLst/>
@@ -17246,8 +17363,8 @@
       </dsp:nvSpPr>
       <dsp:spPr>
         <a:xfrm>
-          <a:off x="1429899" y="4644974"/>
-          <a:ext cx="5083704" cy="1238008"/>
+          <a:off x="1131174" y="3677241"/>
+          <a:ext cx="5382429" cy="979371"/>
         </a:xfrm>
         <a:prstGeom prst="rect">
           <a:avLst/>
@@ -17271,14 +17388,14 @@
         <a:fontRef idx="minor"/>
       </dsp:style>
       <dsp:txBody>
-        <a:bodyPr spcFirstLastPara="0" vert="horz" wrap="square" lIns="131023" tIns="131023" rIns="131023" bIns="131023" numCol="1" spcCol="1270" anchor="ctr" anchorCtr="0">
+        <a:bodyPr spcFirstLastPara="0" vert="horz" wrap="square" lIns="103650" tIns="103650" rIns="103650" bIns="103650" numCol="1" spcCol="1270" anchor="ctr" anchorCtr="0">
           <a:noAutofit/>
         </a:bodyPr>
         <a:lstStyle/>
         <a:p>
-          <a:pPr marL="0" lvl="0" indent="0" algn="l" defTabSz="977900">
+          <a:pPr marL="0" lvl="0" indent="0" algn="l" defTabSz="844550">
             <a:lnSpc>
-              <a:spcPct val="90000"/>
+              <a:spcPct val="100000"/>
             </a:lnSpc>
             <a:spcBef>
               <a:spcPct val="0"/>
@@ -17289,14 +17406,172 @@
             <a:buNone/>
           </a:pPr>
           <a:r>
-            <a:rPr lang="en-US" sz="2200" kern="1200"/>
+            <a:rPr lang="en-US" sz="1900" kern="1200" dirty="0"/>
             <a:t>Collaborative?</a:t>
           </a:r>
         </a:p>
       </dsp:txBody>
       <dsp:txXfrm>
-        <a:off x="1429899" y="4644974"/>
-        <a:ext cx="5083704" cy="1238008"/>
+        <a:off x="1131174" y="3677241"/>
+        <a:ext cx="5382429" cy="979371"/>
+      </dsp:txXfrm>
+    </dsp:sp>
+    <dsp:sp modelId="{9BD4E77F-7DD9-4D4E-A8BA-74F606CABF3D}">
+      <dsp:nvSpPr>
+        <dsp:cNvPr id="0" name=""/>
+        <dsp:cNvSpPr/>
+      </dsp:nvSpPr>
+      <dsp:spPr>
+        <a:xfrm>
+          <a:off x="0" y="4901456"/>
+          <a:ext cx="6513603" cy="979371"/>
+        </a:xfrm>
+        <a:prstGeom prst="roundRect">
+          <a:avLst>
+            <a:gd name="adj" fmla="val 10000"/>
+          </a:avLst>
+        </a:prstGeom>
+        <a:solidFill>
+          <a:schemeClr val="bg1">
+            <a:lumMod val="95000"/>
+            <a:hueOff val="0"/>
+            <a:satOff val="0"/>
+            <a:lumOff val="0"/>
+            <a:alphaOff val="0"/>
+          </a:schemeClr>
+        </a:solidFill>
+        <a:ln>
+          <a:noFill/>
+        </a:ln>
+        <a:effectLst/>
+      </dsp:spPr>
+      <dsp:style>
+        <a:lnRef idx="0">
+          <a:scrgbClr r="0" g="0" b="0"/>
+        </a:lnRef>
+        <a:fillRef idx="1">
+          <a:scrgbClr r="0" g="0" b="0"/>
+        </a:fillRef>
+        <a:effectRef idx="0">
+          <a:scrgbClr r="0" g="0" b="0"/>
+        </a:effectRef>
+        <a:fontRef idx="minor"/>
+      </dsp:style>
+    </dsp:sp>
+    <dsp:sp modelId="{AB6ABFF9-EFED-4198-A04D-4B9D90C3F8A3}">
+      <dsp:nvSpPr>
+        <dsp:cNvPr id="0" name=""/>
+        <dsp:cNvSpPr/>
+      </dsp:nvSpPr>
+      <dsp:spPr>
+        <a:xfrm>
+          <a:off x="296259" y="5121814"/>
+          <a:ext cx="538654" cy="538654"/>
+        </a:xfrm>
+        <a:prstGeom prst="rect">
+          <a:avLst/>
+        </a:prstGeom>
+        <a:blipFill>
+          <a:blip xmlns:r="http://schemas.openxmlformats.org/officeDocument/2006/relationships" r:embed="rId9">
+            <a:extLst>
+              <a:ext uri="{96DAC541-7B7A-43D3-8B79-37D633B846F1}">
+                <asvg:svgBlip xmlns:asvg="http://schemas.microsoft.com/office/drawing/2016/SVG/main" r:embed="rId10"/>
+              </a:ext>
+            </a:extLst>
+          </a:blip>
+          <a:srcRect/>
+          <a:stretch>
+            <a:fillRect/>
+          </a:stretch>
+        </a:blipFill>
+        <a:ln w="12700" cap="flat" cmpd="sng" algn="ctr">
+          <a:solidFill>
+            <a:schemeClr val="lt1">
+              <a:alpha val="0"/>
+              <a:hueOff val="0"/>
+              <a:satOff val="0"/>
+              <a:lumOff val="0"/>
+              <a:alphaOff val="0"/>
+            </a:schemeClr>
+          </a:solidFill>
+          <a:prstDash val="solid"/>
+          <a:miter lim="800000"/>
+        </a:ln>
+        <a:effectLst/>
+      </dsp:spPr>
+      <dsp:style>
+        <a:lnRef idx="2">
+          <a:scrgbClr r="0" g="0" b="0"/>
+        </a:lnRef>
+        <a:fillRef idx="1">
+          <a:scrgbClr r="0" g="0" b="0"/>
+        </a:fillRef>
+        <a:effectRef idx="0">
+          <a:scrgbClr r="0" g="0" b="0"/>
+        </a:effectRef>
+        <a:fontRef idx="minor">
+          <a:schemeClr val="lt1"/>
+        </a:fontRef>
+      </dsp:style>
+    </dsp:sp>
+    <dsp:sp modelId="{01518861-1A69-47B5-AC6F-644A7C37CE4F}">
+      <dsp:nvSpPr>
+        <dsp:cNvPr id="0" name=""/>
+        <dsp:cNvSpPr/>
+      </dsp:nvSpPr>
+      <dsp:spPr>
+        <a:xfrm>
+          <a:off x="1131174" y="4901456"/>
+          <a:ext cx="5382429" cy="979371"/>
+        </a:xfrm>
+        <a:prstGeom prst="rect">
+          <a:avLst/>
+        </a:prstGeom>
+        <a:noFill/>
+        <a:ln>
+          <a:noFill/>
+        </a:ln>
+        <a:effectLst/>
+      </dsp:spPr>
+      <dsp:style>
+        <a:lnRef idx="0">
+          <a:scrgbClr r="0" g="0" b="0"/>
+        </a:lnRef>
+        <a:fillRef idx="0">
+          <a:scrgbClr r="0" g="0" b="0"/>
+        </a:fillRef>
+        <a:effectRef idx="0">
+          <a:scrgbClr r="0" g="0" b="0"/>
+        </a:effectRef>
+        <a:fontRef idx="minor"/>
+      </dsp:style>
+      <dsp:txBody>
+        <a:bodyPr spcFirstLastPara="0" vert="horz" wrap="square" lIns="103650" tIns="103650" rIns="103650" bIns="103650" numCol="1" spcCol="1270" anchor="ctr" anchorCtr="0">
+          <a:noAutofit/>
+        </a:bodyPr>
+        <a:lstStyle/>
+        <a:p>
+          <a:pPr marL="0" lvl="0" indent="0" algn="l" defTabSz="844550">
+            <a:lnSpc>
+              <a:spcPct val="100000"/>
+            </a:lnSpc>
+            <a:spcBef>
+              <a:spcPct val="0"/>
+            </a:spcBef>
+            <a:spcAft>
+              <a:spcPct val="35000"/>
+            </a:spcAft>
+            <a:buNone/>
+          </a:pPr>
+          <a:r>
+            <a:rPr lang="en-US" sz="1900" kern="1200" dirty="0"/>
+            <a:t>Extensible?</a:t>
+          </a:r>
+        </a:p>
+      </dsp:txBody>
+      <dsp:txXfrm>
+        <a:off x="1131174" y="4901456"/>
+        <a:ext cx="5382429" cy="979371"/>
       </dsp:txXfrm>
     </dsp:sp>
   </dsp:spTree>
@@ -34186,7 +34461,7 @@
           <a:p>
             <a:fld id="{6FF64754-69BF-4FF2-9580-5DB0617436D5}" type="datetimeFigureOut">
               <a:rPr lang="en-US" smtClean="0"/>
-              <a:t>8/7/2019</a:t>
+              <a:t>8/8/2019</a:t>
             </a:fld>
             <a:endParaRPr lang="en-US"/>
           </a:p>
@@ -34585,6 +34860,90 @@
           <a:bodyPr/>
           <a:lstStyle/>
           <a:p>
+            <a:endParaRPr lang="en-US" dirty="0"/>
+          </a:p>
+        </p:txBody>
+      </p:sp>
+      <p:sp>
+        <p:nvSpPr>
+          <p:cNvPr id="4" name="Slide Number Placeholder 3"/>
+          <p:cNvSpPr>
+            <a:spLocks noGrp="1"/>
+          </p:cNvSpPr>
+          <p:nvPr>
+            <p:ph type="sldNum" sz="quarter" idx="5"/>
+          </p:nvPr>
+        </p:nvSpPr>
+        <p:spPr/>
+        <p:txBody>
+          <a:bodyPr/>
+          <a:lstStyle/>
+          <a:p>
+            <a:fld id="{DA33D68E-0A2E-4685-8D02-33AAB4795D59}" type="slidenum">
+              <a:rPr lang="en-US" smtClean="0"/>
+              <a:t>10</a:t>
+            </a:fld>
+            <a:endParaRPr lang="en-US"/>
+          </a:p>
+        </p:txBody>
+      </p:sp>
+    </p:spTree>
+    <p:extLst>
+      <p:ext uri="{BB962C8B-B14F-4D97-AF65-F5344CB8AC3E}">
+        <p14:creationId xmlns:p14="http://schemas.microsoft.com/office/powerpoint/2010/main" val="4277239840"/>
+      </p:ext>
+    </p:extLst>
+  </p:cSld>
+  <p:clrMapOvr>
+    <a:masterClrMapping/>
+  </p:clrMapOvr>
+</p:notes>
+</file>
+
+<file path=ppt/notesSlides/notesSlide11.xml><?xml version="1.0" encoding="utf-8"?>
+<p:notes xmlns:a="http://schemas.openxmlformats.org/drawingml/2006/main" xmlns:r="http://schemas.openxmlformats.org/officeDocument/2006/relationships" xmlns:p="http://schemas.openxmlformats.org/presentationml/2006/main">
+  <p:cSld>
+    <p:spTree>
+      <p:nvGrpSpPr>
+        <p:cNvPr id="1" name=""/>
+        <p:cNvGrpSpPr/>
+        <p:nvPr/>
+      </p:nvGrpSpPr>
+      <p:grpSpPr>
+        <a:xfrm>
+          <a:off x="0" y="0"/>
+          <a:ext cx="0" cy="0"/>
+          <a:chOff x="0" y="0"/>
+          <a:chExt cx="0" cy="0"/>
+        </a:xfrm>
+      </p:grpSpPr>
+      <p:sp>
+        <p:nvSpPr>
+          <p:cNvPr id="2" name="Slide Image Placeholder 1"/>
+          <p:cNvSpPr>
+            <a:spLocks noGrp="1" noRot="1" noChangeAspect="1"/>
+          </p:cNvSpPr>
+          <p:nvPr>
+            <p:ph type="sldImg"/>
+          </p:nvPr>
+        </p:nvSpPr>
+        <p:spPr/>
+      </p:sp>
+      <p:sp>
+        <p:nvSpPr>
+          <p:cNvPr id="3" name="Notes Placeholder 2"/>
+          <p:cNvSpPr>
+            <a:spLocks noGrp="1"/>
+          </p:cNvSpPr>
+          <p:nvPr>
+            <p:ph type="body" idx="1"/>
+          </p:nvPr>
+        </p:nvSpPr>
+        <p:spPr/>
+        <p:txBody>
+          <a:bodyPr/>
+          <a:lstStyle/>
+          <a:p>
             <a:r>
               <a:rPr lang="en-US" dirty="0"/>
               <a:t>Cons</a:t>
@@ -34746,6 +35105,241 @@
               </a:rPr>
               <a:t>build run</a:t>
             </a:r>
+          </a:p>
+          <a:p>
+            <a:endParaRPr lang="en-US" sz="1200" b="0" i="0" u="none" strike="noStrike" kern="1200" dirty="0">
+              <a:solidFill>
+                <a:schemeClr val="tx1"/>
+              </a:solidFill>
+              <a:effectLst/>
+              <a:latin typeface="+mn-lt"/>
+              <a:ea typeface="+mn-ea"/>
+              <a:cs typeface="+mn-cs"/>
+            </a:endParaRPr>
+          </a:p>
+          <a:p>
+            <a:pPr rtl="0" fontAlgn="ctr"/>
+            <a:r>
+              <a:rPr lang="en-US" sz="1200" kern="1200" dirty="0">
+                <a:solidFill>
+                  <a:schemeClr val="tx1"/>
+                </a:solidFill>
+                <a:effectLst/>
+                <a:latin typeface="+mn-lt"/>
+                <a:ea typeface="+mn-ea"/>
+                <a:cs typeface="+mn-cs"/>
+              </a:rPr>
+              <a:t>Interactive</a:t>
+            </a:r>
+          </a:p>
+          <a:p>
+            <a:pPr lvl="1" rtl="0" fontAlgn="ctr"/>
+            <a:r>
+              <a:rPr lang="en-US" sz="1200" kern="1200" dirty="0">
+                <a:solidFill>
+                  <a:schemeClr val="tx1"/>
+                </a:solidFill>
+                <a:effectLst/>
+                <a:latin typeface="+mn-lt"/>
+                <a:ea typeface="+mn-ea"/>
+                <a:cs typeface="+mn-cs"/>
+              </a:rPr>
+              <a:t>Maybe</a:t>
+            </a:r>
+          </a:p>
+          <a:p>
+            <a:pPr lvl="1" rtl="0" fontAlgn="ctr"/>
+            <a:r>
+              <a:rPr lang="en-US" sz="1200" kern="1200" dirty="0">
+                <a:solidFill>
+                  <a:schemeClr val="tx1"/>
+                </a:solidFill>
+                <a:effectLst/>
+                <a:latin typeface="+mn-lt"/>
+                <a:ea typeface="+mn-ea"/>
+                <a:cs typeface="+mn-cs"/>
+              </a:rPr>
+              <a:t>You have to wait for it to reload</a:t>
+            </a:r>
+          </a:p>
+          <a:p>
+            <a:pPr rtl="0" fontAlgn="ctr"/>
+            <a:r>
+              <a:rPr lang="en-US" sz="1200" kern="1200" dirty="0">
+                <a:solidFill>
+                  <a:schemeClr val="tx1"/>
+                </a:solidFill>
+                <a:effectLst/>
+                <a:latin typeface="+mn-lt"/>
+                <a:ea typeface="+mn-ea"/>
+                <a:cs typeface="+mn-cs"/>
+              </a:rPr>
+              <a:t>Reproducible</a:t>
+            </a:r>
+          </a:p>
+          <a:p>
+            <a:pPr lvl="1" rtl="0" fontAlgn="ctr"/>
+            <a:r>
+              <a:rPr lang="en-US" sz="1200" kern="1200" dirty="0">
+                <a:solidFill>
+                  <a:schemeClr val="tx1"/>
+                </a:solidFill>
+                <a:effectLst/>
+                <a:latin typeface="+mn-lt"/>
+                <a:ea typeface="+mn-ea"/>
+                <a:cs typeface="+mn-cs"/>
+              </a:rPr>
+              <a:t>Yes. Very similar to </a:t>
+            </a:r>
+            <a:r>
+              <a:rPr lang="en-US" sz="1200" kern="1200" dirty="0" err="1">
+                <a:solidFill>
+                  <a:schemeClr val="tx1"/>
+                </a:solidFill>
+                <a:effectLst/>
+                <a:latin typeface="+mn-lt"/>
+                <a:ea typeface="+mn-ea"/>
+                <a:cs typeface="+mn-cs"/>
+              </a:rPr>
+              <a:t>Fsharp.Formatting</a:t>
+            </a:r>
+            <a:endParaRPr lang="en-US" sz="1200" kern="1200" dirty="0">
+              <a:solidFill>
+                <a:schemeClr val="tx1"/>
+              </a:solidFill>
+              <a:effectLst/>
+              <a:latin typeface="+mn-lt"/>
+              <a:ea typeface="+mn-ea"/>
+              <a:cs typeface="+mn-cs"/>
+            </a:endParaRPr>
+          </a:p>
+          <a:p>
+            <a:pPr rtl="0" fontAlgn="ctr"/>
+            <a:r>
+              <a:rPr lang="en-US" sz="1200" kern="1200" dirty="0">
+                <a:solidFill>
+                  <a:schemeClr val="tx1"/>
+                </a:solidFill>
+                <a:effectLst/>
+                <a:latin typeface="+mn-lt"/>
+                <a:ea typeface="+mn-ea"/>
+                <a:cs typeface="+mn-cs"/>
+              </a:rPr>
+              <a:t>Documented</a:t>
+            </a:r>
+          </a:p>
+          <a:p>
+            <a:pPr lvl="1" rtl="0" fontAlgn="ctr"/>
+            <a:r>
+              <a:rPr lang="en-US" sz="1200" kern="1200" dirty="0">
+                <a:solidFill>
+                  <a:schemeClr val="tx1"/>
+                </a:solidFill>
+                <a:effectLst/>
+                <a:latin typeface="+mn-lt"/>
+                <a:ea typeface="+mn-ea"/>
+                <a:cs typeface="+mn-cs"/>
+              </a:rPr>
+              <a:t>Yes. Very similar to </a:t>
+            </a:r>
+            <a:r>
+              <a:rPr lang="en-US" sz="1200" kern="1200" dirty="0" err="1">
+                <a:solidFill>
+                  <a:schemeClr val="tx1"/>
+                </a:solidFill>
+                <a:effectLst/>
+                <a:latin typeface="+mn-lt"/>
+                <a:ea typeface="+mn-ea"/>
+                <a:cs typeface="+mn-cs"/>
+              </a:rPr>
+              <a:t>Fsharp.Formatting</a:t>
+            </a:r>
+            <a:endParaRPr lang="en-US" sz="1200" kern="1200" dirty="0">
+              <a:solidFill>
+                <a:schemeClr val="tx1"/>
+              </a:solidFill>
+              <a:effectLst/>
+              <a:latin typeface="+mn-lt"/>
+              <a:ea typeface="+mn-ea"/>
+              <a:cs typeface="+mn-cs"/>
+            </a:endParaRPr>
+          </a:p>
+          <a:p>
+            <a:pPr rtl="0" fontAlgn="ctr"/>
+            <a:r>
+              <a:rPr lang="en-US" sz="1200" kern="1200" dirty="0">
+                <a:solidFill>
+                  <a:schemeClr val="tx1"/>
+                </a:solidFill>
+                <a:effectLst/>
+                <a:latin typeface="+mn-lt"/>
+                <a:ea typeface="+mn-ea"/>
+                <a:cs typeface="+mn-cs"/>
+              </a:rPr>
+              <a:t>Collaborative</a:t>
+            </a:r>
+          </a:p>
+          <a:p>
+            <a:pPr lvl="1" rtl="0" fontAlgn="ctr"/>
+            <a:r>
+              <a:rPr lang="en-US" sz="1200" kern="1200" dirty="0">
+                <a:solidFill>
+                  <a:schemeClr val="tx1"/>
+                </a:solidFill>
+                <a:effectLst/>
+                <a:latin typeface="+mn-lt"/>
+                <a:ea typeface="+mn-ea"/>
+                <a:cs typeface="+mn-cs"/>
+              </a:rPr>
+              <a:t>Maybe. You could share the scripts but you have to build</a:t>
+            </a:r>
+          </a:p>
+          <a:p>
+            <a:pPr rtl="0" fontAlgn="ctr"/>
+            <a:r>
+              <a:rPr lang="en-US" sz="1200" kern="1200" dirty="0">
+                <a:solidFill>
+                  <a:schemeClr val="tx1"/>
+                </a:solidFill>
+                <a:effectLst/>
+                <a:latin typeface="+mn-lt"/>
+                <a:ea typeface="+mn-ea"/>
+                <a:cs typeface="+mn-cs"/>
+              </a:rPr>
+              <a:t>Extensible</a:t>
+            </a:r>
+          </a:p>
+          <a:p>
+            <a:pPr lvl="1" rtl="0" fontAlgn="ctr"/>
+            <a:r>
+              <a:rPr lang="en-US" sz="1200" kern="1200" dirty="0">
+                <a:solidFill>
+                  <a:schemeClr val="tx1"/>
+                </a:solidFill>
+                <a:effectLst/>
+                <a:latin typeface="+mn-lt"/>
+                <a:ea typeface="+mn-ea"/>
+                <a:cs typeface="+mn-cs"/>
+              </a:rPr>
+              <a:t>Yes.</a:t>
+            </a:r>
+          </a:p>
+          <a:p>
+            <a:pPr lvl="1" rtl="0" fontAlgn="ctr"/>
+            <a:r>
+              <a:rPr lang="en-US" sz="1200" kern="1200" dirty="0">
+                <a:solidFill>
+                  <a:schemeClr val="tx1"/>
+                </a:solidFill>
+                <a:effectLst/>
+                <a:latin typeface="+mn-lt"/>
+                <a:ea typeface="+mn-ea"/>
+                <a:cs typeface="+mn-cs"/>
+              </a:rPr>
+              <a:t>Make modifications to the project</a:t>
+            </a:r>
+          </a:p>
+          <a:p>
             <a:endParaRPr lang="en-US" dirty="0"/>
           </a:p>
         </p:txBody>
@@ -34786,7 +35380,7 @@
 </p:notes>
 </file>
 
-<file path=ppt/notesSlides/notesSlide11.xml><?xml version="1.0" encoding="utf-8"?>
+<file path=ppt/notesSlides/notesSlide12.xml><?xml version="1.0" encoding="utf-8"?>
 <p:notes xmlns:a="http://schemas.openxmlformats.org/drawingml/2006/main" xmlns:r="http://schemas.openxmlformats.org/officeDocument/2006/relationships" xmlns:p="http://schemas.openxmlformats.org/presentationml/2006/main">
   <p:cSld>
     <p:spTree>
@@ -34873,7 +35467,7 @@
 </p:notes>
 </file>
 
-<file path=ppt/notesSlides/notesSlide12.xml><?xml version="1.0" encoding="utf-8"?>
+<file path=ppt/notesSlides/notesSlide13.xml><?xml version="1.0" encoding="utf-8"?>
 <p:notes xmlns:a="http://schemas.openxmlformats.org/drawingml/2006/main" xmlns:r="http://schemas.openxmlformats.org/officeDocument/2006/relationships" xmlns:p="http://schemas.openxmlformats.org/presentationml/2006/main">
   <p:cSld>
     <p:spTree>
@@ -34993,7 +35587,7 @@
 </p:notes>
 </file>
 
-<file path=ppt/notesSlides/notesSlide13.xml><?xml version="1.0" encoding="utf-8"?>
+<file path=ppt/notesSlides/notesSlide14.xml><?xml version="1.0" encoding="utf-8"?>
 <p:notes xmlns:a="http://schemas.openxmlformats.org/drawingml/2006/main" xmlns:r="http://schemas.openxmlformats.org/officeDocument/2006/relationships" xmlns:p="http://schemas.openxmlformats.org/presentationml/2006/main">
   <p:cSld>
     <p:spTree>
@@ -35050,6 +35644,81 @@
               <a:t> looks in raw format</a:t>
             </a:r>
           </a:p>
+          <a:p>
+            <a:endParaRPr lang="en-US" dirty="0"/>
+          </a:p>
+          <a:p>
+            <a:pPr rtl="0" fontAlgn="ctr"/>
+            <a:r>
+              <a:rPr lang="en-US" sz="1200" kern="1200" dirty="0">
+                <a:solidFill>
+                  <a:schemeClr val="tx1"/>
+                </a:solidFill>
+                <a:effectLst/>
+                <a:latin typeface="+mn-lt"/>
+                <a:ea typeface="+mn-ea"/>
+                <a:cs typeface="+mn-cs"/>
+              </a:rPr>
+              <a:t>Notebook Document Format (JSON)</a:t>
+            </a:r>
+          </a:p>
+          <a:p>
+            <a:pPr rtl="0" fontAlgn="ctr"/>
+            <a:r>
+              <a:rPr lang="en-US" sz="1200" kern="1200" dirty="0">
+                <a:solidFill>
+                  <a:schemeClr val="tx1"/>
+                </a:solidFill>
+                <a:effectLst/>
+                <a:latin typeface="+mn-lt"/>
+                <a:ea typeface="+mn-ea"/>
+                <a:cs typeface="+mn-cs"/>
+              </a:rPr>
+              <a:t>Interactive Computing Model (network protocol JSON over ZMQ(Zero MQ)  and </a:t>
+            </a:r>
+            <a:r>
+              <a:rPr lang="en-US" sz="1200" kern="1200" dirty="0" err="1">
+                <a:solidFill>
+                  <a:schemeClr val="tx1"/>
+                </a:solidFill>
+                <a:effectLst/>
+                <a:latin typeface="+mn-lt"/>
+                <a:ea typeface="+mn-ea"/>
+                <a:cs typeface="+mn-cs"/>
+              </a:rPr>
+              <a:t>WebSockets</a:t>
+            </a:r>
+            <a:r>
+              <a:rPr lang="en-US" sz="1200" kern="1200" dirty="0">
+                <a:solidFill>
+                  <a:schemeClr val="tx1"/>
+                </a:solidFill>
+                <a:effectLst/>
+                <a:latin typeface="+mn-lt"/>
+                <a:ea typeface="+mn-ea"/>
+                <a:cs typeface="+mn-cs"/>
+              </a:rPr>
+              <a:t>)</a:t>
+            </a:r>
+          </a:p>
+          <a:p>
+            <a:pPr rtl="0" fontAlgn="ctr"/>
+            <a:r>
+              <a:rPr lang="en-US" sz="1200" kern="1200" dirty="0">
+                <a:solidFill>
+                  <a:schemeClr val="tx1"/>
+                </a:solidFill>
+                <a:effectLst/>
+                <a:latin typeface="+mn-lt"/>
+                <a:ea typeface="+mn-ea"/>
+                <a:cs typeface="+mn-cs"/>
+              </a:rPr>
+              <a:t>Kernel (Processes that run interactive code in a particular programming language and return output to the user).</a:t>
+            </a:r>
+          </a:p>
+          <a:p>
+            <a:endParaRPr lang="en-US" dirty="0"/>
+          </a:p>
         </p:txBody>
       </p:sp>
       <p:sp>
@@ -35088,7 +35757,7 @@
 </p:notes>
 </file>
 
-<file path=ppt/notesSlides/notesSlide14.xml><?xml version="1.0" encoding="utf-8"?>
+<file path=ppt/notesSlides/notesSlide15.xml><?xml version="1.0" encoding="utf-8"?>
 <p:notes xmlns:a="http://schemas.openxmlformats.org/drawingml/2006/main" xmlns:r="http://schemas.openxmlformats.org/officeDocument/2006/relationships" xmlns:p="http://schemas.openxmlformats.org/presentationml/2006/main">
   <p:cSld>
     <p:spTree>
@@ -35132,6 +35801,63 @@
           <a:bodyPr/>
           <a:lstStyle/>
           <a:p>
+            <a:pPr rtl="0" fontAlgn="ctr"/>
+            <a:r>
+              <a:rPr lang="en-US" sz="1200" kern="1200" dirty="0">
+                <a:solidFill>
+                  <a:schemeClr val="tx1"/>
+                </a:solidFill>
+                <a:effectLst/>
+                <a:latin typeface="+mn-lt"/>
+                <a:ea typeface="+mn-ea"/>
+                <a:cs typeface="+mn-cs"/>
+              </a:rPr>
+              <a:t>There are different ways you can extend Notebooks (front-end / server-side) extensions.</a:t>
+            </a:r>
+          </a:p>
+          <a:p>
+            <a:pPr rtl="0" fontAlgn="ctr"/>
+            <a:r>
+              <a:rPr lang="en-US" sz="1200" kern="1200" dirty="0" err="1">
+                <a:solidFill>
+                  <a:schemeClr val="tx1"/>
+                </a:solidFill>
+                <a:effectLst/>
+                <a:latin typeface="+mn-lt"/>
+                <a:ea typeface="+mn-ea"/>
+                <a:cs typeface="+mn-cs"/>
+              </a:rPr>
+              <a:t>NBGrader</a:t>
+            </a:r>
+            <a:r>
+              <a:rPr lang="en-US" sz="1200" kern="1200" dirty="0">
+                <a:solidFill>
+                  <a:schemeClr val="tx1"/>
+                </a:solidFill>
+                <a:effectLst/>
+                <a:latin typeface="+mn-lt"/>
+                <a:ea typeface="+mn-ea"/>
+                <a:cs typeface="+mn-cs"/>
+              </a:rPr>
+              <a:t> (Grade notebooks)</a:t>
+            </a:r>
+          </a:p>
+          <a:p>
+            <a:pPr rtl="0" fontAlgn="ctr"/>
+            <a:r>
+              <a:rPr lang="en-US" sz="1200" kern="1200" dirty="0">
+                <a:solidFill>
+                  <a:schemeClr val="tx1"/>
+                </a:solidFill>
+                <a:effectLst/>
+                <a:latin typeface="+mn-lt"/>
+                <a:ea typeface="+mn-ea"/>
+                <a:cs typeface="+mn-cs"/>
+              </a:rPr>
+              <a:t>Papermill (Parameterize and execute notebooks)</a:t>
+            </a:r>
+          </a:p>
+          <a:p>
             <a:endParaRPr lang="en-US" dirty="0"/>
           </a:p>
         </p:txBody>
@@ -35172,7 +35898,7 @@
 </p:notes>
 </file>
 
-<file path=ppt/notesSlides/notesSlide15.xml><?xml version="1.0" encoding="utf-8"?>
+<file path=ppt/notesSlides/notesSlide16.xml><?xml version="1.0" encoding="utf-8"?>
 <p:notes xmlns:a="http://schemas.openxmlformats.org/drawingml/2006/main" xmlns:r="http://schemas.openxmlformats.org/officeDocument/2006/relationships" xmlns:p="http://schemas.openxmlformats.org/presentationml/2006/main">
   <p:cSld>
     <p:spTree>
@@ -35271,7 +35997,7 @@
 </p:notes>
 </file>
 
-<file path=ppt/notesSlides/notesSlide16.xml><?xml version="1.0" encoding="utf-8"?>
+<file path=ppt/notesSlides/notesSlide17.xml><?xml version="1.0" encoding="utf-8"?>
 <p:notes xmlns:a="http://schemas.openxmlformats.org/drawingml/2006/main" xmlns:r="http://schemas.openxmlformats.org/officeDocument/2006/relationships" xmlns:p="http://schemas.openxmlformats.org/presentationml/2006/main">
   <p:cSld>
     <p:spTree>
@@ -35370,7 +36096,7 @@
 </p:notes>
 </file>
 
-<file path=ppt/notesSlides/notesSlide17.xml><?xml version="1.0" encoding="utf-8"?>
+<file path=ppt/notesSlides/notesSlide18.xml><?xml version="1.0" encoding="utf-8"?>
 <p:notes xmlns:a="http://schemas.openxmlformats.org/drawingml/2006/main" xmlns:r="http://schemas.openxmlformats.org/officeDocument/2006/relationships" xmlns:p="http://schemas.openxmlformats.org/presentationml/2006/main">
   <p:cSld>
     <p:spTree>
@@ -35414,33 +36140,234 @@
           <a:bodyPr/>
           <a:lstStyle/>
           <a:p>
+            <a:pPr rtl="0" fontAlgn="ctr"/>
             <a:r>
-              <a:rPr lang="en-US" dirty="0"/>
-              <a:t>Iterative - You want instant feedback and fix mistakes as you see them</a:t>
+              <a:rPr lang="en-US" sz="1200" kern="1200" dirty="0">
+                <a:solidFill>
+                  <a:schemeClr val="tx1"/>
+                </a:solidFill>
+                <a:effectLst/>
+                <a:latin typeface="+mn-lt"/>
+                <a:ea typeface="+mn-ea"/>
+                <a:cs typeface="+mn-cs"/>
+              </a:rPr>
+              <a:t>Interactive</a:t>
             </a:r>
           </a:p>
           <a:p>
+            <a:pPr lvl="1" rtl="0" fontAlgn="ctr"/>
             <a:r>
-              <a:rPr lang="en-US" dirty="0"/>
-              <a:t>Reproducible – Avoid it works on my machine</a:t>
+              <a:rPr lang="en-US" sz="1200" kern="1200" dirty="0">
+                <a:solidFill>
+                  <a:schemeClr val="tx1"/>
+                </a:solidFill>
+                <a:effectLst/>
+                <a:latin typeface="+mn-lt"/>
+                <a:ea typeface="+mn-ea"/>
+                <a:cs typeface="+mn-cs"/>
+              </a:rPr>
+              <a:t>Yes</a:t>
             </a:r>
           </a:p>
           <a:p>
+            <a:pPr lvl="1" rtl="0" fontAlgn="ctr"/>
             <a:r>
-              <a:rPr lang="en-US" dirty="0"/>
-              <a:t>Documented – Goes along with reproducible. </a:t>
+              <a:rPr lang="en-US" sz="1200" kern="1200" dirty="0">
+                <a:solidFill>
+                  <a:schemeClr val="tx1"/>
+                </a:solidFill>
+                <a:effectLst/>
+                <a:latin typeface="+mn-lt"/>
+                <a:ea typeface="+mn-ea"/>
+                <a:cs typeface="+mn-cs"/>
+              </a:rPr>
+              <a:t>You can see your results immediately without rebuilding</a:t>
             </a:r>
           </a:p>
           <a:p>
+            <a:pPr rtl="0" fontAlgn="ctr"/>
             <a:r>
-              <a:rPr lang="en-US" dirty="0"/>
-              <a:t>Collaborative – People should be able to pick it up. People should be able to use the tools as well</a:t>
+              <a:rPr lang="en-US" sz="1200" kern="1200" dirty="0">
+                <a:solidFill>
+                  <a:schemeClr val="tx1"/>
+                </a:solidFill>
+                <a:effectLst/>
+                <a:latin typeface="+mn-lt"/>
+                <a:ea typeface="+mn-ea"/>
+                <a:cs typeface="+mn-cs"/>
+              </a:rPr>
+              <a:t>Reproducible</a:t>
             </a:r>
           </a:p>
           <a:p>
+            <a:pPr lvl="1" rtl="0" fontAlgn="ctr"/>
             <a:r>
-              <a:rPr lang="en-US" dirty="0"/>
-              <a:t>Extensible – You can add on to your code or the tools</a:t>
+              <a:rPr lang="en-US" sz="1200" kern="1200" dirty="0">
+                <a:solidFill>
+                  <a:schemeClr val="tx1"/>
+                </a:solidFill>
+                <a:effectLst/>
+                <a:latin typeface="+mn-lt"/>
+                <a:ea typeface="+mn-ea"/>
+                <a:cs typeface="+mn-cs"/>
+              </a:rPr>
+              <a:t>Yes</a:t>
+            </a:r>
+          </a:p>
+          <a:p>
+            <a:pPr lvl="1" rtl="0" fontAlgn="ctr"/>
+            <a:r>
+              <a:rPr lang="en-US" sz="1200" kern="1200" dirty="0">
+                <a:solidFill>
+                  <a:schemeClr val="tx1"/>
+                </a:solidFill>
+                <a:effectLst/>
+                <a:latin typeface="+mn-lt"/>
+                <a:ea typeface="+mn-ea"/>
+                <a:cs typeface="+mn-cs"/>
+              </a:rPr>
+              <a:t>Just re-run the notebook</a:t>
+            </a:r>
+          </a:p>
+          <a:p>
+            <a:pPr rtl="0" fontAlgn="ctr"/>
+            <a:r>
+              <a:rPr lang="en-US" sz="1200" kern="1200" dirty="0">
+                <a:solidFill>
+                  <a:schemeClr val="tx1"/>
+                </a:solidFill>
+                <a:effectLst/>
+                <a:latin typeface="+mn-lt"/>
+                <a:ea typeface="+mn-ea"/>
+                <a:cs typeface="+mn-cs"/>
+              </a:rPr>
+              <a:t>Documented</a:t>
+            </a:r>
+          </a:p>
+          <a:p>
+            <a:pPr lvl="1" rtl="0" fontAlgn="ctr"/>
+            <a:r>
+              <a:rPr lang="en-US" sz="1200" kern="1200" dirty="0">
+                <a:solidFill>
+                  <a:schemeClr val="tx1"/>
+                </a:solidFill>
+                <a:effectLst/>
+                <a:latin typeface="+mn-lt"/>
+                <a:ea typeface="+mn-ea"/>
+                <a:cs typeface="+mn-cs"/>
+              </a:rPr>
+              <a:t>Yes</a:t>
+            </a:r>
+          </a:p>
+          <a:p>
+            <a:pPr lvl="1" rtl="0" fontAlgn="ctr"/>
+            <a:r>
+              <a:rPr lang="en-US" sz="1200" kern="1200" dirty="0">
+                <a:solidFill>
+                  <a:schemeClr val="tx1"/>
+                </a:solidFill>
+                <a:effectLst/>
+                <a:latin typeface="+mn-lt"/>
+                <a:ea typeface="+mn-ea"/>
+                <a:cs typeface="+mn-cs"/>
+              </a:rPr>
+              <a:t>Mix markdown with your code</a:t>
+            </a:r>
+          </a:p>
+          <a:p>
+            <a:pPr rtl="0" fontAlgn="ctr"/>
+            <a:r>
+              <a:rPr lang="en-US" sz="1200" kern="1200" dirty="0">
+                <a:solidFill>
+                  <a:schemeClr val="tx1"/>
+                </a:solidFill>
+                <a:effectLst/>
+                <a:latin typeface="+mn-lt"/>
+                <a:ea typeface="+mn-ea"/>
+                <a:cs typeface="+mn-cs"/>
+              </a:rPr>
+              <a:t>Collaborative</a:t>
+            </a:r>
+          </a:p>
+          <a:p>
+            <a:pPr lvl="1" rtl="0" fontAlgn="ctr"/>
+            <a:r>
+              <a:rPr lang="en-US" sz="1200" kern="1200" dirty="0">
+                <a:solidFill>
+                  <a:schemeClr val="tx1"/>
+                </a:solidFill>
+                <a:effectLst/>
+                <a:latin typeface="+mn-lt"/>
+                <a:ea typeface="+mn-ea"/>
+                <a:cs typeface="+mn-cs"/>
+              </a:rPr>
+              <a:t>Yes. You can share the NB directly, HTML, PDF, </a:t>
+            </a:r>
+            <a:r>
+              <a:rPr lang="en-US" sz="1200" kern="1200" dirty="0" err="1">
+                <a:solidFill>
+                  <a:schemeClr val="tx1"/>
+                </a:solidFill>
+                <a:effectLst/>
+                <a:latin typeface="+mn-lt"/>
+                <a:ea typeface="+mn-ea"/>
+                <a:cs typeface="+mn-cs"/>
+              </a:rPr>
+              <a:t>etc</a:t>
+            </a:r>
+            <a:endParaRPr lang="en-US" sz="1200" kern="1200" dirty="0">
+              <a:solidFill>
+                <a:schemeClr val="tx1"/>
+              </a:solidFill>
+              <a:effectLst/>
+              <a:latin typeface="+mn-lt"/>
+              <a:ea typeface="+mn-ea"/>
+              <a:cs typeface="+mn-cs"/>
+            </a:endParaRPr>
+          </a:p>
+          <a:p>
+            <a:pPr rtl="0" fontAlgn="ctr"/>
+            <a:r>
+              <a:rPr lang="en-US" sz="1200" kern="1200" dirty="0">
+                <a:solidFill>
+                  <a:schemeClr val="tx1"/>
+                </a:solidFill>
+                <a:effectLst/>
+                <a:latin typeface="+mn-lt"/>
+                <a:ea typeface="+mn-ea"/>
+                <a:cs typeface="+mn-cs"/>
+              </a:rPr>
+              <a:t>Extensible</a:t>
+            </a:r>
+          </a:p>
+          <a:p>
+            <a:pPr lvl="1" rtl="0" fontAlgn="ctr"/>
+            <a:r>
+              <a:rPr lang="en-US" sz="1200" kern="1200" dirty="0">
+                <a:solidFill>
+                  <a:schemeClr val="tx1"/>
+                </a:solidFill>
+                <a:effectLst/>
+                <a:latin typeface="+mn-lt"/>
+                <a:ea typeface="+mn-ea"/>
+                <a:cs typeface="+mn-cs"/>
+              </a:rPr>
+              <a:t>Yes</a:t>
+            </a:r>
+          </a:p>
+          <a:p>
+            <a:pPr lvl="1" rtl="0" fontAlgn="ctr"/>
+            <a:r>
+              <a:rPr lang="en-US" sz="1200" kern="1200" dirty="0">
+                <a:solidFill>
+                  <a:schemeClr val="tx1"/>
+                </a:solidFill>
+                <a:effectLst/>
+                <a:latin typeface="+mn-lt"/>
+                <a:ea typeface="+mn-ea"/>
+                <a:cs typeface="+mn-cs"/>
+              </a:rPr>
+              <a:t>Create front-end or server-side extensions</a:t>
             </a:r>
           </a:p>
         </p:txBody>
@@ -35481,7 +36408,7 @@
 </p:notes>
 </file>
 
-<file path=ppt/notesSlides/notesSlide18.xml><?xml version="1.0" encoding="utf-8"?>
+<file path=ppt/notesSlides/notesSlide19.xml><?xml version="1.0" encoding="utf-8"?>
 <p:notes xmlns:a="http://schemas.openxmlformats.org/drawingml/2006/main" xmlns:r="http://schemas.openxmlformats.org/officeDocument/2006/relationships" xmlns:p="http://schemas.openxmlformats.org/presentationml/2006/main">
   <p:cSld>
     <p:spTree>
@@ -35556,105 +36483,6 @@
     <p:extLst>
       <p:ext uri="{BB962C8B-B14F-4D97-AF65-F5344CB8AC3E}">
         <p14:creationId xmlns:p14="http://schemas.microsoft.com/office/powerpoint/2010/main" val="2699280608"/>
-      </p:ext>
-    </p:extLst>
-  </p:cSld>
-  <p:clrMapOvr>
-    <a:masterClrMapping/>
-  </p:clrMapOvr>
-</p:notes>
-</file>
-
-<file path=ppt/notesSlides/notesSlide19.xml><?xml version="1.0" encoding="utf-8"?>
-<p:notes xmlns:a="http://schemas.openxmlformats.org/drawingml/2006/main" xmlns:r="http://schemas.openxmlformats.org/officeDocument/2006/relationships" xmlns:p="http://schemas.openxmlformats.org/presentationml/2006/main">
-  <p:cSld>
-    <p:spTree>
-      <p:nvGrpSpPr>
-        <p:cNvPr id="1" name=""/>
-        <p:cNvGrpSpPr/>
-        <p:nvPr/>
-      </p:nvGrpSpPr>
-      <p:grpSpPr>
-        <a:xfrm>
-          <a:off x="0" y="0"/>
-          <a:ext cx="0" cy="0"/>
-          <a:chOff x="0" y="0"/>
-          <a:chExt cx="0" cy="0"/>
-        </a:xfrm>
-      </p:grpSpPr>
-      <p:sp>
-        <p:nvSpPr>
-          <p:cNvPr id="2" name="Slide Image Placeholder 1"/>
-          <p:cNvSpPr>
-            <a:spLocks noGrp="1" noRot="1" noChangeAspect="1"/>
-          </p:cNvSpPr>
-          <p:nvPr>
-            <p:ph type="sldImg"/>
-          </p:nvPr>
-        </p:nvSpPr>
-        <p:spPr/>
-      </p:sp>
-      <p:sp>
-        <p:nvSpPr>
-          <p:cNvPr id="3" name="Notes Placeholder 2"/>
-          <p:cNvSpPr>
-            <a:spLocks noGrp="1"/>
-          </p:cNvSpPr>
-          <p:nvPr>
-            <p:ph type="body" idx="1"/>
-          </p:nvPr>
-        </p:nvSpPr>
-        <p:spPr/>
-        <p:txBody>
-          <a:bodyPr/>
-          <a:lstStyle/>
-          <a:p>
-            <a:r>
-              <a:rPr lang="en-US" dirty="0"/>
-              <a:t>Show the GitHub</a:t>
-            </a:r>
-          </a:p>
-          <a:p>
-            <a:r>
-              <a:rPr lang="en-US" dirty="0"/>
-              <a:t>Show Demo3</a:t>
-            </a:r>
-          </a:p>
-          <a:p>
-            <a:r>
-              <a:rPr lang="en-US" dirty="0"/>
-              <a:t>Show Demo4</a:t>
-            </a:r>
-          </a:p>
-        </p:txBody>
-      </p:sp>
-      <p:sp>
-        <p:nvSpPr>
-          <p:cNvPr id="4" name="Slide Number Placeholder 3"/>
-          <p:cNvSpPr>
-            <a:spLocks noGrp="1"/>
-          </p:cNvSpPr>
-          <p:nvPr>
-            <p:ph type="sldNum" sz="quarter" idx="5"/>
-          </p:nvPr>
-        </p:nvSpPr>
-        <p:spPr/>
-        <p:txBody>
-          <a:bodyPr/>
-          <a:lstStyle/>
-          <a:p>
-            <a:fld id="{DA33D68E-0A2E-4685-8D02-33AAB4795D59}" type="slidenum">
-              <a:rPr lang="en-US" smtClean="0"/>
-              <a:t>21</a:t>
-            </a:fld>
-            <a:endParaRPr lang="en-US"/>
-          </a:p>
-        </p:txBody>
-      </p:sp>
-    </p:spTree>
-    <p:extLst>
-      <p:ext uri="{BB962C8B-B14F-4D97-AF65-F5344CB8AC3E}">
-        <p14:creationId xmlns:p14="http://schemas.microsoft.com/office/powerpoint/2010/main" val="4221157822"/>
       </p:ext>
     </p:extLst>
   </p:cSld>
@@ -35879,6 +36707,105 @@
           <a:p>
             <a:r>
               <a:rPr lang="en-US" dirty="0"/>
+              <a:t>Show the GitHub</a:t>
+            </a:r>
+          </a:p>
+          <a:p>
+            <a:r>
+              <a:rPr lang="en-US" dirty="0"/>
+              <a:t>Show Demo3</a:t>
+            </a:r>
+          </a:p>
+          <a:p>
+            <a:r>
+              <a:rPr lang="en-US" dirty="0"/>
+              <a:t>Show Demo4</a:t>
+            </a:r>
+          </a:p>
+        </p:txBody>
+      </p:sp>
+      <p:sp>
+        <p:nvSpPr>
+          <p:cNvPr id="4" name="Slide Number Placeholder 3"/>
+          <p:cNvSpPr>
+            <a:spLocks noGrp="1"/>
+          </p:cNvSpPr>
+          <p:nvPr>
+            <p:ph type="sldNum" sz="quarter" idx="5"/>
+          </p:nvPr>
+        </p:nvSpPr>
+        <p:spPr/>
+        <p:txBody>
+          <a:bodyPr/>
+          <a:lstStyle/>
+          <a:p>
+            <a:fld id="{DA33D68E-0A2E-4685-8D02-33AAB4795D59}" type="slidenum">
+              <a:rPr lang="en-US" smtClean="0"/>
+              <a:t>21</a:t>
+            </a:fld>
+            <a:endParaRPr lang="en-US"/>
+          </a:p>
+        </p:txBody>
+      </p:sp>
+    </p:spTree>
+    <p:extLst>
+      <p:ext uri="{BB962C8B-B14F-4D97-AF65-F5344CB8AC3E}">
+        <p14:creationId xmlns:p14="http://schemas.microsoft.com/office/powerpoint/2010/main" val="4221157822"/>
+      </p:ext>
+    </p:extLst>
+  </p:cSld>
+  <p:clrMapOvr>
+    <a:masterClrMapping/>
+  </p:clrMapOvr>
+</p:notes>
+</file>
+
+<file path=ppt/notesSlides/notesSlide21.xml><?xml version="1.0" encoding="utf-8"?>
+<p:notes xmlns:a="http://schemas.openxmlformats.org/drawingml/2006/main" xmlns:r="http://schemas.openxmlformats.org/officeDocument/2006/relationships" xmlns:p="http://schemas.openxmlformats.org/presentationml/2006/main">
+  <p:cSld>
+    <p:spTree>
+      <p:nvGrpSpPr>
+        <p:cNvPr id="1" name=""/>
+        <p:cNvGrpSpPr/>
+        <p:nvPr/>
+      </p:nvGrpSpPr>
+      <p:grpSpPr>
+        <a:xfrm>
+          <a:off x="0" y="0"/>
+          <a:ext cx="0" cy="0"/>
+          <a:chOff x="0" y="0"/>
+          <a:chExt cx="0" cy="0"/>
+        </a:xfrm>
+      </p:grpSpPr>
+      <p:sp>
+        <p:nvSpPr>
+          <p:cNvPr id="2" name="Slide Image Placeholder 1"/>
+          <p:cNvSpPr>
+            <a:spLocks noGrp="1" noRot="1" noChangeAspect="1"/>
+          </p:cNvSpPr>
+          <p:nvPr>
+            <p:ph type="sldImg"/>
+          </p:nvPr>
+        </p:nvSpPr>
+        <p:spPr/>
+      </p:sp>
+      <p:sp>
+        <p:nvSpPr>
+          <p:cNvPr id="3" name="Notes Placeholder 2"/>
+          <p:cNvSpPr>
+            <a:spLocks noGrp="1"/>
+          </p:cNvSpPr>
+          <p:nvPr>
+            <p:ph type="body" idx="1"/>
+          </p:nvPr>
+        </p:nvSpPr>
+        <p:spPr/>
+        <p:txBody>
+          <a:bodyPr/>
+          <a:lstStyle/>
+          <a:p>
+            <a:r>
+              <a:rPr lang="en-US" dirty="0"/>
               <a:t>Add </a:t>
             </a:r>
             <a:r>
@@ -35946,7 +36873,7 @@
 </p:notes>
 </file>
 
-<file path=ppt/notesSlides/notesSlide21.xml><?xml version="1.0" encoding="utf-8"?>
+<file path=ppt/notesSlides/notesSlide22.xml><?xml version="1.0" encoding="utf-8"?>
 <p:notes xmlns:a="http://schemas.openxmlformats.org/drawingml/2006/main" xmlns:r="http://schemas.openxmlformats.org/officeDocument/2006/relationships" xmlns:p="http://schemas.openxmlformats.org/presentationml/2006/main">
   <p:cSld>
     <p:spTree>
@@ -36030,7 +36957,7 @@
 </p:notes>
 </file>
 
-<file path=ppt/notesSlides/notesSlide22.xml><?xml version="1.0" encoding="utf-8"?>
+<file path=ppt/notesSlides/notesSlide23.xml><?xml version="1.0" encoding="utf-8"?>
 <p:notes xmlns:a="http://schemas.openxmlformats.org/drawingml/2006/main" xmlns:r="http://schemas.openxmlformats.org/officeDocument/2006/relationships" xmlns:p="http://schemas.openxmlformats.org/presentationml/2006/main">
   <p:cSld>
     <p:spTree>
@@ -36187,6 +37114,90 @@
           <a:bodyPr/>
           <a:lstStyle/>
           <a:p>
+            <a:endParaRPr lang="en-US" dirty="0"/>
+          </a:p>
+        </p:txBody>
+      </p:sp>
+      <p:sp>
+        <p:nvSpPr>
+          <p:cNvPr id="4" name="Slide Number Placeholder 3"/>
+          <p:cNvSpPr>
+            <a:spLocks noGrp="1"/>
+          </p:cNvSpPr>
+          <p:nvPr>
+            <p:ph type="sldNum" sz="quarter" idx="5"/>
+          </p:nvPr>
+        </p:nvSpPr>
+        <p:spPr/>
+        <p:txBody>
+          <a:bodyPr/>
+          <a:lstStyle/>
+          <a:p>
+            <a:fld id="{DA33D68E-0A2E-4685-8D02-33AAB4795D59}" type="slidenum">
+              <a:rPr lang="en-US" smtClean="0"/>
+              <a:t>3</a:t>
+            </a:fld>
+            <a:endParaRPr lang="en-US"/>
+          </a:p>
+        </p:txBody>
+      </p:sp>
+    </p:spTree>
+    <p:extLst>
+      <p:ext uri="{BB962C8B-B14F-4D97-AF65-F5344CB8AC3E}">
+        <p14:creationId xmlns:p14="http://schemas.microsoft.com/office/powerpoint/2010/main" val="1308073670"/>
+      </p:ext>
+    </p:extLst>
+  </p:cSld>
+  <p:clrMapOvr>
+    <a:masterClrMapping/>
+  </p:clrMapOvr>
+</p:notes>
+</file>
+
+<file path=ppt/notesSlides/notesSlide4.xml><?xml version="1.0" encoding="utf-8"?>
+<p:notes xmlns:a="http://schemas.openxmlformats.org/drawingml/2006/main" xmlns:r="http://schemas.openxmlformats.org/officeDocument/2006/relationships" xmlns:p="http://schemas.openxmlformats.org/presentationml/2006/main">
+  <p:cSld>
+    <p:spTree>
+      <p:nvGrpSpPr>
+        <p:cNvPr id="1" name=""/>
+        <p:cNvGrpSpPr/>
+        <p:nvPr/>
+      </p:nvGrpSpPr>
+      <p:grpSpPr>
+        <a:xfrm>
+          <a:off x="0" y="0"/>
+          <a:ext cx="0" cy="0"/>
+          <a:chOff x="0" y="0"/>
+          <a:chExt cx="0" cy="0"/>
+        </a:xfrm>
+      </p:grpSpPr>
+      <p:sp>
+        <p:nvSpPr>
+          <p:cNvPr id="2" name="Slide Image Placeholder 1"/>
+          <p:cNvSpPr>
+            <a:spLocks noGrp="1" noRot="1" noChangeAspect="1"/>
+          </p:cNvSpPr>
+          <p:nvPr>
+            <p:ph type="sldImg"/>
+          </p:nvPr>
+        </p:nvSpPr>
+        <p:spPr/>
+      </p:sp>
+      <p:sp>
+        <p:nvSpPr>
+          <p:cNvPr id="3" name="Notes Placeholder 2"/>
+          <p:cNvSpPr>
+            <a:spLocks noGrp="1"/>
+          </p:cNvSpPr>
+          <p:nvPr>
+            <p:ph type="body" idx="1"/>
+          </p:nvPr>
+        </p:nvSpPr>
+        <p:spPr/>
+        <p:txBody>
+          <a:bodyPr/>
+          <a:lstStyle/>
+          <a:p>
             <a:pPr marL="171450" indent="-171450">
               <a:buFont typeface="Arial" panose="020B0604020202020204" pitchFamily="34" charset="0"/>
               <a:buChar char="•"/>
@@ -36234,7 +37245,7 @@
 </p:notes>
 </file>
 
-<file path=ppt/notesSlides/notesSlide4.xml><?xml version="1.0" encoding="utf-8"?>
+<file path=ppt/notesSlides/notesSlide5.xml><?xml version="1.0" encoding="utf-8"?>
 <p:notes xmlns:a="http://schemas.openxmlformats.org/drawingml/2006/main" xmlns:r="http://schemas.openxmlformats.org/officeDocument/2006/relationships" xmlns:p="http://schemas.openxmlformats.org/presentationml/2006/main">
   <p:cSld>
     <p:spTree>
@@ -36437,7 +37448,7 @@
 </p:notes>
 </file>
 
-<file path=ppt/notesSlides/notesSlide5.xml><?xml version="1.0" encoding="utf-8"?>
+<file path=ppt/notesSlides/notesSlide6.xml><?xml version="1.0" encoding="utf-8"?>
 <p:notes xmlns:a="http://schemas.openxmlformats.org/drawingml/2006/main" xmlns:r="http://schemas.openxmlformats.org/officeDocument/2006/relationships" xmlns:p="http://schemas.openxmlformats.org/presentationml/2006/main">
   <p:cSld>
     <p:spTree>
@@ -36683,7 +37694,7 @@
 </p:notes>
 </file>
 
-<file path=ppt/notesSlides/notesSlide6.xml><?xml version="1.0" encoding="utf-8"?>
+<file path=ppt/notesSlides/notesSlide7.xml><?xml version="1.0" encoding="utf-8"?>
 <p:notes xmlns:a="http://schemas.openxmlformats.org/drawingml/2006/main" xmlns:r="http://schemas.openxmlformats.org/officeDocument/2006/relationships" xmlns:p="http://schemas.openxmlformats.org/presentationml/2006/main">
   <p:cSld>
     <p:spTree>
@@ -37116,7 +38127,7 @@
 </p:notes>
 </file>
 
-<file path=ppt/notesSlides/notesSlide7.xml><?xml version="1.0" encoding="utf-8"?>
+<file path=ppt/notesSlides/notesSlide8.xml><?xml version="1.0" encoding="utf-8"?>
 <p:notes xmlns:a="http://schemas.openxmlformats.org/drawingml/2006/main" xmlns:r="http://schemas.openxmlformats.org/officeDocument/2006/relationships" xmlns:p="http://schemas.openxmlformats.org/presentationml/2006/main">
   <p:cSld>
     <p:spTree>
@@ -37200,93 +38211,6 @@
 </p:notes>
 </file>
 
-<file path=ppt/notesSlides/notesSlide8.xml><?xml version="1.0" encoding="utf-8"?>
-<p:notes xmlns:a="http://schemas.openxmlformats.org/drawingml/2006/main" xmlns:r="http://schemas.openxmlformats.org/officeDocument/2006/relationships" xmlns:p="http://schemas.openxmlformats.org/presentationml/2006/main">
-  <p:cSld>
-    <p:spTree>
-      <p:nvGrpSpPr>
-        <p:cNvPr id="1" name=""/>
-        <p:cNvGrpSpPr/>
-        <p:nvPr/>
-      </p:nvGrpSpPr>
-      <p:grpSpPr>
-        <a:xfrm>
-          <a:off x="0" y="0"/>
-          <a:ext cx="0" cy="0"/>
-          <a:chOff x="0" y="0"/>
-          <a:chExt cx="0" cy="0"/>
-        </a:xfrm>
-      </p:grpSpPr>
-      <p:sp>
-        <p:nvSpPr>
-          <p:cNvPr id="2" name="Slide Image Placeholder 1"/>
-          <p:cNvSpPr>
-            <a:spLocks noGrp="1" noRot="1" noChangeAspect="1"/>
-          </p:cNvSpPr>
-          <p:nvPr>
-            <p:ph type="sldImg"/>
-          </p:nvPr>
-        </p:nvSpPr>
-        <p:spPr/>
-      </p:sp>
-      <p:sp>
-        <p:nvSpPr>
-          <p:cNvPr id="3" name="Notes Placeholder 2"/>
-          <p:cNvSpPr>
-            <a:spLocks noGrp="1"/>
-          </p:cNvSpPr>
-          <p:nvPr>
-            <p:ph type="body" idx="1"/>
-          </p:nvPr>
-        </p:nvSpPr>
-        <p:spPr/>
-        <p:txBody>
-          <a:bodyPr/>
-          <a:lstStyle/>
-          <a:p>
-            <a:r>
-              <a:rPr lang="en-US" dirty="0"/>
-              <a:t>You have to keep building it.</a:t>
-            </a:r>
-          </a:p>
-        </p:txBody>
-      </p:sp>
-      <p:sp>
-        <p:nvSpPr>
-          <p:cNvPr id="4" name="Slide Number Placeholder 3"/>
-          <p:cNvSpPr>
-            <a:spLocks noGrp="1"/>
-          </p:cNvSpPr>
-          <p:nvPr>
-            <p:ph type="sldNum" sz="quarter" idx="5"/>
-          </p:nvPr>
-        </p:nvSpPr>
-        <p:spPr/>
-        <p:txBody>
-          <a:bodyPr/>
-          <a:lstStyle/>
-          <a:p>
-            <a:fld id="{DA33D68E-0A2E-4685-8D02-33AAB4795D59}" type="slidenum">
-              <a:rPr lang="en-US" smtClean="0"/>
-              <a:t>9</a:t>
-            </a:fld>
-            <a:endParaRPr lang="en-US"/>
-          </a:p>
-        </p:txBody>
-      </p:sp>
-    </p:spTree>
-    <p:extLst>
-      <p:ext uri="{BB962C8B-B14F-4D97-AF65-F5344CB8AC3E}">
-        <p14:creationId xmlns:p14="http://schemas.microsoft.com/office/powerpoint/2010/main" val="1931593765"/>
-      </p:ext>
-    </p:extLst>
-  </p:cSld>
-  <p:clrMapOvr>
-    <a:masterClrMapping/>
-  </p:clrMapOvr>
-</p:notes>
-</file>
-
 <file path=ppt/notesSlides/notesSlide9.xml><?xml version="1.0" encoding="utf-8"?>
 <p:notes xmlns:a="http://schemas.openxmlformats.org/drawingml/2006/main" xmlns:r="http://schemas.openxmlformats.org/officeDocument/2006/relationships" xmlns:p="http://schemas.openxmlformats.org/presentationml/2006/main">
   <p:cSld>
@@ -37331,7 +38255,214 @@
           <a:bodyPr/>
           <a:lstStyle/>
           <a:p>
-            <a:endParaRPr lang="en-US" dirty="0"/>
+            <a:pPr rtl="0" fontAlgn="ctr"/>
+            <a:r>
+              <a:rPr lang="en-US" sz="1200" kern="1200" dirty="0">
+                <a:solidFill>
+                  <a:schemeClr val="tx1"/>
+                </a:solidFill>
+                <a:effectLst/>
+                <a:latin typeface="+mn-lt"/>
+                <a:ea typeface="+mn-ea"/>
+                <a:cs typeface="+mn-cs"/>
+              </a:rPr>
+              <a:t>Interactive?</a:t>
+            </a:r>
+          </a:p>
+          <a:p>
+            <a:pPr lvl="1" rtl="0" fontAlgn="ctr"/>
+            <a:r>
+              <a:rPr lang="en-US" sz="1200" kern="1200" dirty="0">
+                <a:solidFill>
+                  <a:schemeClr val="tx1"/>
+                </a:solidFill>
+                <a:effectLst/>
+                <a:latin typeface="+mn-lt"/>
+                <a:ea typeface="+mn-ea"/>
+                <a:cs typeface="+mn-cs"/>
+              </a:rPr>
+              <a:t>Maybe</a:t>
+            </a:r>
+          </a:p>
+          <a:p>
+            <a:pPr lvl="1" rtl="0" fontAlgn="ctr"/>
+            <a:r>
+              <a:rPr lang="en-US" sz="1200" kern="1200" dirty="0">
+                <a:solidFill>
+                  <a:schemeClr val="tx1"/>
+                </a:solidFill>
+                <a:effectLst/>
+                <a:latin typeface="+mn-lt"/>
+                <a:ea typeface="+mn-ea"/>
+                <a:cs typeface="+mn-cs"/>
+              </a:rPr>
+              <a:t>You have to keep rebuilding to see your changes</a:t>
+            </a:r>
+          </a:p>
+          <a:p>
+            <a:pPr rtl="0" fontAlgn="ctr"/>
+            <a:r>
+              <a:rPr lang="en-US" sz="1200" kern="1200" dirty="0">
+                <a:solidFill>
+                  <a:schemeClr val="tx1"/>
+                </a:solidFill>
+                <a:effectLst/>
+                <a:latin typeface="+mn-lt"/>
+                <a:ea typeface="+mn-ea"/>
+                <a:cs typeface="+mn-cs"/>
+              </a:rPr>
+              <a:t>Reproducible</a:t>
+            </a:r>
+          </a:p>
+          <a:p>
+            <a:pPr lvl="1" rtl="0" fontAlgn="ctr"/>
+            <a:r>
+              <a:rPr lang="en-US" sz="1200" kern="1200" dirty="0">
+                <a:solidFill>
+                  <a:schemeClr val="tx1"/>
+                </a:solidFill>
+                <a:effectLst/>
+                <a:latin typeface="+mn-lt"/>
+                <a:ea typeface="+mn-ea"/>
+                <a:cs typeface="+mn-cs"/>
+              </a:rPr>
+              <a:t>Yes. It's just an annotated F# Script</a:t>
+            </a:r>
+          </a:p>
+          <a:p>
+            <a:pPr rtl="0" fontAlgn="ctr"/>
+            <a:r>
+              <a:rPr lang="en-US" sz="1200" kern="1200" dirty="0">
+                <a:solidFill>
+                  <a:schemeClr val="tx1"/>
+                </a:solidFill>
+                <a:effectLst/>
+                <a:latin typeface="+mn-lt"/>
+                <a:ea typeface="+mn-ea"/>
+                <a:cs typeface="+mn-cs"/>
+              </a:rPr>
+              <a:t>Documented</a:t>
+            </a:r>
+          </a:p>
+          <a:p>
+            <a:pPr lvl="1" rtl="0" fontAlgn="ctr"/>
+            <a:r>
+              <a:rPr lang="en-US" sz="1200" kern="1200" dirty="0">
+                <a:solidFill>
+                  <a:schemeClr val="tx1"/>
+                </a:solidFill>
+                <a:effectLst/>
+                <a:latin typeface="+mn-lt"/>
+                <a:ea typeface="+mn-ea"/>
+                <a:cs typeface="+mn-cs"/>
+              </a:rPr>
+              <a:t>Yes</a:t>
+            </a:r>
+          </a:p>
+          <a:p>
+            <a:pPr lvl="1" rtl="0" fontAlgn="ctr"/>
+            <a:r>
+              <a:rPr lang="en-US" sz="1200" kern="1200" dirty="0">
+                <a:solidFill>
+                  <a:schemeClr val="tx1"/>
+                </a:solidFill>
+                <a:effectLst/>
+                <a:latin typeface="+mn-lt"/>
+                <a:ea typeface="+mn-ea"/>
+                <a:cs typeface="+mn-cs"/>
+              </a:rPr>
+              <a:t>You move beyond code comments to using Markdown so you're able to be more expressive in your code.</a:t>
+            </a:r>
+          </a:p>
+          <a:p>
+            <a:pPr rtl="0" fontAlgn="ctr"/>
+            <a:r>
+              <a:rPr lang="en-US" sz="1200" kern="1200" dirty="0">
+                <a:solidFill>
+                  <a:schemeClr val="tx1"/>
+                </a:solidFill>
+                <a:effectLst/>
+                <a:latin typeface="+mn-lt"/>
+                <a:ea typeface="+mn-ea"/>
+                <a:cs typeface="+mn-cs"/>
+              </a:rPr>
+              <a:t>Collaborative</a:t>
+            </a:r>
+          </a:p>
+          <a:p>
+            <a:pPr lvl="1" rtl="0" fontAlgn="ctr"/>
+            <a:r>
+              <a:rPr lang="en-US" sz="1200" kern="1200" dirty="0">
+                <a:solidFill>
+                  <a:schemeClr val="tx1"/>
+                </a:solidFill>
+                <a:effectLst/>
+                <a:latin typeface="+mn-lt"/>
+                <a:ea typeface="+mn-ea"/>
+                <a:cs typeface="+mn-cs"/>
+              </a:rPr>
+              <a:t>Maybe.</a:t>
+            </a:r>
+          </a:p>
+          <a:p>
+            <a:pPr lvl="1" rtl="0" fontAlgn="ctr"/>
+            <a:r>
+              <a:rPr lang="en-US" sz="1200" kern="1200" dirty="0">
+                <a:solidFill>
+                  <a:schemeClr val="tx1"/>
+                </a:solidFill>
+                <a:effectLst/>
+                <a:latin typeface="+mn-lt"/>
+                <a:ea typeface="+mn-ea"/>
+                <a:cs typeface="+mn-cs"/>
+              </a:rPr>
+              <a:t>You could share the scripts but you have to build.</a:t>
+            </a:r>
+          </a:p>
+          <a:p>
+            <a:pPr rtl="0" fontAlgn="ctr"/>
+            <a:r>
+              <a:rPr lang="en-US" sz="1200" kern="1200" dirty="0">
+                <a:solidFill>
+                  <a:schemeClr val="tx1"/>
+                </a:solidFill>
+                <a:effectLst/>
+                <a:latin typeface="+mn-lt"/>
+                <a:ea typeface="+mn-ea"/>
+                <a:cs typeface="+mn-cs"/>
+              </a:rPr>
+              <a:t>Extensible</a:t>
+            </a:r>
+          </a:p>
+          <a:p>
+            <a:pPr lvl="1" rtl="0" fontAlgn="ctr"/>
+            <a:r>
+              <a:rPr lang="en-US" sz="1200" kern="1200" dirty="0">
+                <a:solidFill>
+                  <a:schemeClr val="tx1"/>
+                </a:solidFill>
+                <a:effectLst/>
+                <a:latin typeface="+mn-lt"/>
+                <a:ea typeface="+mn-ea"/>
+                <a:cs typeface="+mn-cs"/>
+              </a:rPr>
+              <a:t>Yes.</a:t>
+            </a:r>
+          </a:p>
+          <a:p>
+            <a:pPr lvl="1" rtl="0" fontAlgn="ctr"/>
+            <a:r>
+              <a:rPr lang="en-US" sz="1200" kern="1200" dirty="0">
+                <a:solidFill>
+                  <a:schemeClr val="tx1"/>
+                </a:solidFill>
+                <a:effectLst/>
+                <a:latin typeface="+mn-lt"/>
+                <a:ea typeface="+mn-ea"/>
+                <a:cs typeface="+mn-cs"/>
+              </a:rPr>
+              <a:t>Make modifications to F# Formatting</a:t>
+            </a:r>
           </a:p>
         </p:txBody>
       </p:sp>
@@ -37352,7 +38483,7 @@
           <a:p>
             <a:fld id="{DA33D68E-0A2E-4685-8D02-33AAB4795D59}" type="slidenum">
               <a:rPr lang="en-US" smtClean="0"/>
-              <a:t>10</a:t>
+              <a:t>9</a:t>
             </a:fld>
             <a:endParaRPr lang="en-US"/>
           </a:p>
@@ -37361,7 +38492,7 @@
     </p:spTree>
     <p:extLst>
       <p:ext uri="{BB962C8B-B14F-4D97-AF65-F5344CB8AC3E}">
-        <p14:creationId xmlns:p14="http://schemas.microsoft.com/office/powerpoint/2010/main" val="4277239840"/>
+        <p14:creationId xmlns:p14="http://schemas.microsoft.com/office/powerpoint/2010/main" val="1931593765"/>
       </p:ext>
     </p:extLst>
   </p:cSld>
@@ -37518,7 +38649,7 @@
           <a:p>
             <a:fld id="{6241485C-8420-41A1-9DDD-119EB57D1D98}" type="datetimeFigureOut">
               <a:rPr lang="en-US" smtClean="0"/>
-              <a:t>8/7/2019</a:t>
+              <a:t>8/8/2019</a:t>
             </a:fld>
             <a:endParaRPr lang="en-US"/>
           </a:p>
@@ -37716,7 +38847,7 @@
           <a:p>
             <a:fld id="{6241485C-8420-41A1-9DDD-119EB57D1D98}" type="datetimeFigureOut">
               <a:rPr lang="en-US" smtClean="0"/>
-              <a:t>8/7/2019</a:t>
+              <a:t>8/8/2019</a:t>
             </a:fld>
             <a:endParaRPr lang="en-US"/>
           </a:p>
@@ -37924,7 +39055,7 @@
           <a:p>
             <a:fld id="{6241485C-8420-41A1-9DDD-119EB57D1D98}" type="datetimeFigureOut">
               <a:rPr lang="en-US" smtClean="0"/>
-              <a:t>8/7/2019</a:t>
+              <a:t>8/8/2019</a:t>
             </a:fld>
             <a:endParaRPr lang="en-US"/>
           </a:p>
@@ -38122,7 +39253,7 @@
           <a:p>
             <a:fld id="{6241485C-8420-41A1-9DDD-119EB57D1D98}" type="datetimeFigureOut">
               <a:rPr lang="en-US" smtClean="0"/>
-              <a:t>8/7/2019</a:t>
+              <a:t>8/8/2019</a:t>
             </a:fld>
             <a:endParaRPr lang="en-US"/>
           </a:p>
@@ -38397,7 +39528,7 @@
           <a:p>
             <a:fld id="{6241485C-8420-41A1-9DDD-119EB57D1D98}" type="datetimeFigureOut">
               <a:rPr lang="en-US" smtClean="0"/>
-              <a:t>8/7/2019</a:t>
+              <a:t>8/8/2019</a:t>
             </a:fld>
             <a:endParaRPr lang="en-US"/>
           </a:p>
@@ -38662,7 +39793,7 @@
           <a:p>
             <a:fld id="{6241485C-8420-41A1-9DDD-119EB57D1D98}" type="datetimeFigureOut">
               <a:rPr lang="en-US" smtClean="0"/>
-              <a:t>8/7/2019</a:t>
+              <a:t>8/8/2019</a:t>
             </a:fld>
             <a:endParaRPr lang="en-US"/>
           </a:p>
@@ -39074,7 +40205,7 @@
           <a:p>
             <a:fld id="{6241485C-8420-41A1-9DDD-119EB57D1D98}" type="datetimeFigureOut">
               <a:rPr lang="en-US" smtClean="0"/>
-              <a:t>8/7/2019</a:t>
+              <a:t>8/8/2019</a:t>
             </a:fld>
             <a:endParaRPr lang="en-US"/>
           </a:p>
@@ -39215,7 +40346,7 @@
           <a:p>
             <a:fld id="{6241485C-8420-41A1-9DDD-119EB57D1D98}" type="datetimeFigureOut">
               <a:rPr lang="en-US" smtClean="0"/>
-              <a:t>8/7/2019</a:t>
+              <a:t>8/8/2019</a:t>
             </a:fld>
             <a:endParaRPr lang="en-US"/>
           </a:p>
@@ -39328,7 +40459,7 @@
           <a:p>
             <a:fld id="{6241485C-8420-41A1-9DDD-119EB57D1D98}" type="datetimeFigureOut">
               <a:rPr lang="en-US" smtClean="0"/>
-              <a:t>8/7/2019</a:t>
+              <a:t>8/8/2019</a:t>
             </a:fld>
             <a:endParaRPr lang="en-US"/>
           </a:p>
@@ -39639,7 +40770,7 @@
           <a:p>
             <a:fld id="{6241485C-8420-41A1-9DDD-119EB57D1D98}" type="datetimeFigureOut">
               <a:rPr lang="en-US" smtClean="0"/>
-              <a:t>8/7/2019</a:t>
+              <a:t>8/8/2019</a:t>
             </a:fld>
             <a:endParaRPr lang="en-US"/>
           </a:p>
@@ -39927,7 +41058,7 @@
           <a:p>
             <a:fld id="{6241485C-8420-41A1-9DDD-119EB57D1D98}" type="datetimeFigureOut">
               <a:rPr lang="en-US" smtClean="0"/>
-              <a:t>8/7/2019</a:t>
+              <a:t>8/8/2019</a:t>
             </a:fld>
             <a:endParaRPr lang="en-US"/>
           </a:p>
@@ -40168,7 +41299,7 @@
           <a:p>
             <a:fld id="{6241485C-8420-41A1-9DDD-119EB57D1D98}" type="datetimeFigureOut">
               <a:rPr lang="en-US" smtClean="0"/>
-              <a:t>8/7/2019</a:t>
+              <a:t>8/8/2019</a:t>
             </a:fld>
             <a:endParaRPr lang="en-US"/>
           </a:p>
@@ -44536,10 +45667,9 @@
           <a:p>
             <a:pPr lvl="1"/>
             <a:r>
-              <a:rPr lang="en-US" sz="3600" dirty="0" err="1"/>
-              <a:t>Nteract</a:t>
+              <a:rPr lang="en-US" sz="3600" dirty="0"/>
+              <a:t>Papermill</a:t>
             </a:r>
-            <a:endParaRPr lang="en-US" sz="3600" dirty="0"/>
           </a:p>
           <a:p>
             <a:pPr lvl="1"/>
@@ -48739,7 +49869,7 @@
         <p:spPr/>
         <p:txBody>
           <a:bodyPr>
-            <a:normAutofit lnSpcReduction="10000"/>
+            <a:normAutofit/>
           </a:bodyPr>
           <a:lstStyle/>
           <a:p>
@@ -48799,23 +49929,8 @@
               <a:rPr lang="en-US" dirty="0">
                 <a:hlinkClick r:id="rId6"/>
               </a:rPr>
-              <a:t>https://notebooks.azure.com/lqdev/projects/southernfriedfsharp2019</a:t>
+              <a:t>https://notebooks.azure.com/lqdev/projects/nycnetdevs201907</a:t>
             </a:r>
-            <a:endParaRPr lang="en-US" dirty="0"/>
-          </a:p>
-          <a:p>
-            <a:r>
-              <a:rPr lang="en-US" dirty="0">
-                <a:hlinkClick r:id="rId7"/>
-              </a:rPr>
-              <a:t>https://dotnet.microsoft.com/apps/machinelearning-ai/ml-dotnet</a:t>
-            </a:r>
-            <a:endParaRPr lang="en-US" dirty="0"/>
-          </a:p>
-          <a:p>
-            <a:pPr marL="0" indent="0">
-              <a:buNone/>
-            </a:pPr>
             <a:endParaRPr lang="en-US" dirty="0"/>
           </a:p>
           <a:p>
@@ -48932,9 +50047,9 @@
             </a:pPr>
             <a:r>
               <a:rPr lang="en-US" sz="3000" dirty="0">
-                <a:hlinkClick r:id="rId2"/>
+                <a:hlinkClick r:id="rId3"/>
               </a:rPr>
-              <a:t>http://bit.ly/SouthernFriedFSharp2019</a:t>
+              <a:t>http://bit.ly/NYCNETDevs072019</a:t>
             </a:r>
             <a:endParaRPr lang="en-US" sz="3000" dirty="0"/>
           </a:p>
@@ -49089,13 +50204,13 @@
           <p:nvPr/>
         </p:nvPicPr>
         <p:blipFill>
-          <a:blip r:embed="rId3">
+          <a:blip r:embed="rId4">
             <a:extLst>
               <a:ext uri="{28A0092B-C50C-407E-A947-70E740481C1C}">
                 <a14:useLocalDpi xmlns:a14="http://schemas.microsoft.com/office/drawing/2010/main" val="0"/>
               </a:ext>
               <a:ext uri="{96DAC541-7B7A-43D3-8B79-37D633B846F1}">
-                <asvg:svgBlip xmlns:asvg="http://schemas.microsoft.com/office/drawing/2016/SVG/main" r:embed="rId4"/>
+                <asvg:svgBlip xmlns:asvg="http://schemas.microsoft.com/office/drawing/2016/SVG/main" r:embed="rId5"/>
               </a:ext>
             </a:extLst>
           </a:blip>
@@ -49687,7 +50802,7 @@
             <p:ph idx="1"/>
             <p:extLst>
               <p:ext uri="{D42A27DB-BD31-4B8C-83A1-F6EECF244321}">
-                <p14:modId xmlns:p14="http://schemas.microsoft.com/office/powerpoint/2010/main" val="3949096804"/>
+                <p14:modId xmlns:p14="http://schemas.microsoft.com/office/powerpoint/2010/main" val="1986984126"/>
               </p:ext>
             </p:extLst>
           </p:nvPr>
@@ -50956,7 +52071,7 @@
             <p:ph idx="1"/>
             <p:extLst>
               <p:ext uri="{D42A27DB-BD31-4B8C-83A1-F6EECF244321}">
-                <p14:modId xmlns:p14="http://schemas.microsoft.com/office/powerpoint/2010/main" val="3683550192"/>
+                <p14:modId xmlns:p14="http://schemas.microsoft.com/office/powerpoint/2010/main" val="4139913906"/>
               </p:ext>
             </p:extLst>
           </p:nvPr>

--- a/NYCNETDevs072019/slides/InteractiveProgrammingFSharp.pptx
+++ b/NYCNETDevs072019/slides/InteractiveProgrammingFSharp.pptx
@@ -5,7 +5,7 @@
     <p:sldMasterId id="2147483648" r:id="rId1"/>
   </p:sldMasterIdLst>
   <p:notesMasterIdLst>
-    <p:notesMasterId r:id="rId27"/>
+    <p:notesMasterId r:id="rId28"/>
   </p:notesMasterIdLst>
   <p:sldIdLst>
     <p:sldId id="256" r:id="rId2"/>
@@ -26,13 +26,14 @@
     <p:sldId id="272" r:id="rId17"/>
     <p:sldId id="273" r:id="rId18"/>
     <p:sldId id="274" r:id="rId19"/>
-    <p:sldId id="285" r:id="rId20"/>
-    <p:sldId id="271" r:id="rId21"/>
-    <p:sldId id="267" r:id="rId22"/>
-    <p:sldId id="269" r:id="rId23"/>
-    <p:sldId id="284" r:id="rId24"/>
-    <p:sldId id="282" r:id="rId25"/>
-    <p:sldId id="275" r:id="rId26"/>
+    <p:sldId id="287" r:id="rId20"/>
+    <p:sldId id="285" r:id="rId21"/>
+    <p:sldId id="271" r:id="rId22"/>
+    <p:sldId id="267" r:id="rId23"/>
+    <p:sldId id="269" r:id="rId24"/>
+    <p:sldId id="284" r:id="rId25"/>
+    <p:sldId id="282" r:id="rId26"/>
+    <p:sldId id="275" r:id="rId27"/>
   </p:sldIdLst>
   <p:sldSz cx="12192000" cy="6858000"/>
   <p:notesSz cx="6858000" cy="9144000"/>
@@ -36140,6 +36141,90 @@
           <a:bodyPr/>
           <a:lstStyle/>
           <a:p>
+            <a:endParaRPr lang="en-US" dirty="0"/>
+          </a:p>
+        </p:txBody>
+      </p:sp>
+      <p:sp>
+        <p:nvSpPr>
+          <p:cNvPr id="4" name="Slide Number Placeholder 3"/>
+          <p:cNvSpPr>
+            <a:spLocks noGrp="1"/>
+          </p:cNvSpPr>
+          <p:nvPr>
+            <p:ph type="sldNum" sz="quarter" idx="5"/>
+          </p:nvPr>
+        </p:nvSpPr>
+        <p:spPr/>
+        <p:txBody>
+          <a:bodyPr/>
+          <a:lstStyle/>
+          <a:p>
+            <a:fld id="{DA33D68E-0A2E-4685-8D02-33AAB4795D59}" type="slidenum">
+              <a:rPr lang="en-US" smtClean="0"/>
+              <a:t>19</a:t>
+            </a:fld>
+            <a:endParaRPr lang="en-US"/>
+          </a:p>
+        </p:txBody>
+      </p:sp>
+    </p:spTree>
+    <p:extLst>
+      <p:ext uri="{BB962C8B-B14F-4D97-AF65-F5344CB8AC3E}">
+        <p14:creationId xmlns:p14="http://schemas.microsoft.com/office/powerpoint/2010/main" val="1295424477"/>
+      </p:ext>
+    </p:extLst>
+  </p:cSld>
+  <p:clrMapOvr>
+    <a:masterClrMapping/>
+  </p:clrMapOvr>
+</p:notes>
+</file>
+
+<file path=ppt/notesSlides/notesSlide19.xml><?xml version="1.0" encoding="utf-8"?>
+<p:notes xmlns:a="http://schemas.openxmlformats.org/drawingml/2006/main" xmlns:r="http://schemas.openxmlformats.org/officeDocument/2006/relationships" xmlns:p="http://schemas.openxmlformats.org/presentationml/2006/main">
+  <p:cSld>
+    <p:spTree>
+      <p:nvGrpSpPr>
+        <p:cNvPr id="1" name=""/>
+        <p:cNvGrpSpPr/>
+        <p:nvPr/>
+      </p:nvGrpSpPr>
+      <p:grpSpPr>
+        <a:xfrm>
+          <a:off x="0" y="0"/>
+          <a:ext cx="0" cy="0"/>
+          <a:chOff x="0" y="0"/>
+          <a:chExt cx="0" cy="0"/>
+        </a:xfrm>
+      </p:grpSpPr>
+      <p:sp>
+        <p:nvSpPr>
+          <p:cNvPr id="2" name="Slide Image Placeholder 1"/>
+          <p:cNvSpPr>
+            <a:spLocks noGrp="1" noRot="1" noChangeAspect="1"/>
+          </p:cNvSpPr>
+          <p:nvPr>
+            <p:ph type="sldImg"/>
+          </p:nvPr>
+        </p:nvSpPr>
+        <p:spPr/>
+      </p:sp>
+      <p:sp>
+        <p:nvSpPr>
+          <p:cNvPr id="3" name="Notes Placeholder 2"/>
+          <p:cNvSpPr>
+            <a:spLocks noGrp="1"/>
+          </p:cNvSpPr>
+          <p:nvPr>
+            <p:ph type="body" idx="1"/>
+          </p:nvPr>
+        </p:nvSpPr>
+        <p:spPr/>
+        <p:txBody>
+          <a:bodyPr/>
+          <a:lstStyle/>
+          <a:p>
             <a:pPr rtl="0" fontAlgn="ctr"/>
             <a:r>
               <a:rPr lang="en-US" sz="1200" kern="1200" dirty="0">
@@ -36389,7 +36474,7 @@
           <a:p>
             <a:fld id="{DA33D68E-0A2E-4685-8D02-33AAB4795D59}" type="slidenum">
               <a:rPr lang="en-US" smtClean="0"/>
-              <a:t>19</a:t>
+              <a:t>20</a:t>
             </a:fld>
             <a:endParaRPr lang="en-US"/>
           </a:p>
@@ -36399,90 +36484,6 @@
     <p:extLst>
       <p:ext uri="{BB962C8B-B14F-4D97-AF65-F5344CB8AC3E}">
         <p14:creationId xmlns:p14="http://schemas.microsoft.com/office/powerpoint/2010/main" val="844514452"/>
-      </p:ext>
-    </p:extLst>
-  </p:cSld>
-  <p:clrMapOvr>
-    <a:masterClrMapping/>
-  </p:clrMapOvr>
-</p:notes>
-</file>
-
-<file path=ppt/notesSlides/notesSlide19.xml><?xml version="1.0" encoding="utf-8"?>
-<p:notes xmlns:a="http://schemas.openxmlformats.org/drawingml/2006/main" xmlns:r="http://schemas.openxmlformats.org/officeDocument/2006/relationships" xmlns:p="http://schemas.openxmlformats.org/presentationml/2006/main">
-  <p:cSld>
-    <p:spTree>
-      <p:nvGrpSpPr>
-        <p:cNvPr id="1" name=""/>
-        <p:cNvGrpSpPr/>
-        <p:nvPr/>
-      </p:nvGrpSpPr>
-      <p:grpSpPr>
-        <a:xfrm>
-          <a:off x="0" y="0"/>
-          <a:ext cx="0" cy="0"/>
-          <a:chOff x="0" y="0"/>
-          <a:chExt cx="0" cy="0"/>
-        </a:xfrm>
-      </p:grpSpPr>
-      <p:sp>
-        <p:nvSpPr>
-          <p:cNvPr id="2" name="Slide Image Placeholder 1"/>
-          <p:cNvSpPr>
-            <a:spLocks noGrp="1" noRot="1" noChangeAspect="1"/>
-          </p:cNvSpPr>
-          <p:nvPr>
-            <p:ph type="sldImg"/>
-          </p:nvPr>
-        </p:nvSpPr>
-        <p:spPr/>
-      </p:sp>
-      <p:sp>
-        <p:nvSpPr>
-          <p:cNvPr id="3" name="Notes Placeholder 2"/>
-          <p:cNvSpPr>
-            <a:spLocks noGrp="1"/>
-          </p:cNvSpPr>
-          <p:nvPr>
-            <p:ph type="body" idx="1"/>
-          </p:nvPr>
-        </p:nvSpPr>
-        <p:spPr/>
-        <p:txBody>
-          <a:bodyPr/>
-          <a:lstStyle/>
-          <a:p>
-            <a:endParaRPr lang="en-US" dirty="0"/>
-          </a:p>
-        </p:txBody>
-      </p:sp>
-      <p:sp>
-        <p:nvSpPr>
-          <p:cNvPr id="4" name="Slide Number Placeholder 3"/>
-          <p:cNvSpPr>
-            <a:spLocks noGrp="1"/>
-          </p:cNvSpPr>
-          <p:nvPr>
-            <p:ph type="sldNum" sz="quarter" idx="5"/>
-          </p:nvPr>
-        </p:nvSpPr>
-        <p:spPr/>
-        <p:txBody>
-          <a:bodyPr/>
-          <a:lstStyle/>
-          <a:p>
-            <a:fld id="{DA33D68E-0A2E-4685-8D02-33AAB4795D59}" type="slidenum">
-              <a:rPr lang="en-US" smtClean="0"/>
-              <a:t>20</a:t>
-            </a:fld>
-            <a:endParaRPr lang="en-US"/>
-          </a:p>
-        </p:txBody>
-      </p:sp>
-    </p:spTree>
-    <p:extLst>
-      <p:ext uri="{BB962C8B-B14F-4D97-AF65-F5344CB8AC3E}">
-        <p14:creationId xmlns:p14="http://schemas.microsoft.com/office/powerpoint/2010/main" val="2699280608"/>
       </p:ext>
     </p:extLst>
   </p:cSld>
@@ -36705,6 +36706,90 @@
           <a:bodyPr/>
           <a:lstStyle/>
           <a:p>
+            <a:endParaRPr lang="en-US" dirty="0"/>
+          </a:p>
+        </p:txBody>
+      </p:sp>
+      <p:sp>
+        <p:nvSpPr>
+          <p:cNvPr id="4" name="Slide Number Placeholder 3"/>
+          <p:cNvSpPr>
+            <a:spLocks noGrp="1"/>
+          </p:cNvSpPr>
+          <p:nvPr>
+            <p:ph type="sldNum" sz="quarter" idx="5"/>
+          </p:nvPr>
+        </p:nvSpPr>
+        <p:spPr/>
+        <p:txBody>
+          <a:bodyPr/>
+          <a:lstStyle/>
+          <a:p>
+            <a:fld id="{DA33D68E-0A2E-4685-8D02-33AAB4795D59}" type="slidenum">
+              <a:rPr lang="en-US" smtClean="0"/>
+              <a:t>21</a:t>
+            </a:fld>
+            <a:endParaRPr lang="en-US"/>
+          </a:p>
+        </p:txBody>
+      </p:sp>
+    </p:spTree>
+    <p:extLst>
+      <p:ext uri="{BB962C8B-B14F-4D97-AF65-F5344CB8AC3E}">
+        <p14:creationId xmlns:p14="http://schemas.microsoft.com/office/powerpoint/2010/main" val="2699280608"/>
+      </p:ext>
+    </p:extLst>
+  </p:cSld>
+  <p:clrMapOvr>
+    <a:masterClrMapping/>
+  </p:clrMapOvr>
+</p:notes>
+</file>
+
+<file path=ppt/notesSlides/notesSlide21.xml><?xml version="1.0" encoding="utf-8"?>
+<p:notes xmlns:a="http://schemas.openxmlformats.org/drawingml/2006/main" xmlns:r="http://schemas.openxmlformats.org/officeDocument/2006/relationships" xmlns:p="http://schemas.openxmlformats.org/presentationml/2006/main">
+  <p:cSld>
+    <p:spTree>
+      <p:nvGrpSpPr>
+        <p:cNvPr id="1" name=""/>
+        <p:cNvGrpSpPr/>
+        <p:nvPr/>
+      </p:nvGrpSpPr>
+      <p:grpSpPr>
+        <a:xfrm>
+          <a:off x="0" y="0"/>
+          <a:ext cx="0" cy="0"/>
+          <a:chOff x="0" y="0"/>
+          <a:chExt cx="0" cy="0"/>
+        </a:xfrm>
+      </p:grpSpPr>
+      <p:sp>
+        <p:nvSpPr>
+          <p:cNvPr id="2" name="Slide Image Placeholder 1"/>
+          <p:cNvSpPr>
+            <a:spLocks noGrp="1" noRot="1" noChangeAspect="1"/>
+          </p:cNvSpPr>
+          <p:nvPr>
+            <p:ph type="sldImg"/>
+          </p:nvPr>
+        </p:nvSpPr>
+        <p:spPr/>
+      </p:sp>
+      <p:sp>
+        <p:nvSpPr>
+          <p:cNvPr id="3" name="Notes Placeholder 2"/>
+          <p:cNvSpPr>
+            <a:spLocks noGrp="1"/>
+          </p:cNvSpPr>
+          <p:nvPr>
+            <p:ph type="body" idx="1"/>
+          </p:nvPr>
+        </p:nvSpPr>
+        <p:spPr/>
+        <p:txBody>
+          <a:bodyPr/>
+          <a:lstStyle/>
+          <a:p>
             <a:r>
               <a:rPr lang="en-US" dirty="0"/>
               <a:t>Show the GitHub</a:t>
@@ -36741,7 +36826,7 @@
           <a:p>
             <a:fld id="{DA33D68E-0A2E-4685-8D02-33AAB4795D59}" type="slidenum">
               <a:rPr lang="en-US" smtClean="0"/>
-              <a:t>21</a:t>
+              <a:t>22</a:t>
             </a:fld>
             <a:endParaRPr lang="en-US"/>
           </a:p>
@@ -36760,7 +36845,7 @@
 </p:notes>
 </file>
 
-<file path=ppt/notesSlides/notesSlide21.xml><?xml version="1.0" encoding="utf-8"?>
+<file path=ppt/notesSlides/notesSlide22.xml><?xml version="1.0" encoding="utf-8"?>
 <p:notes xmlns:a="http://schemas.openxmlformats.org/drawingml/2006/main" xmlns:r="http://schemas.openxmlformats.org/officeDocument/2006/relationships" xmlns:p="http://schemas.openxmlformats.org/presentationml/2006/main">
   <p:cSld>
     <p:spTree>
@@ -36854,7 +36939,7 @@
           <a:p>
             <a:fld id="{DA33D68E-0A2E-4685-8D02-33AAB4795D59}" type="slidenum">
               <a:rPr lang="en-US" smtClean="0"/>
-              <a:t>22</a:t>
+              <a:t>23</a:t>
             </a:fld>
             <a:endParaRPr lang="en-US"/>
           </a:p>
@@ -36873,7 +36958,7 @@
 </p:notes>
 </file>
 
-<file path=ppt/notesSlides/notesSlide22.xml><?xml version="1.0" encoding="utf-8"?>
+<file path=ppt/notesSlides/notesSlide23.xml><?xml version="1.0" encoding="utf-8"?>
 <p:notes xmlns:a="http://schemas.openxmlformats.org/drawingml/2006/main" xmlns:r="http://schemas.openxmlformats.org/officeDocument/2006/relationships" xmlns:p="http://schemas.openxmlformats.org/presentationml/2006/main">
   <p:cSld>
     <p:spTree>
@@ -36938,7 +37023,7 @@
           <a:p>
             <a:fld id="{DA33D68E-0A2E-4685-8D02-33AAB4795D59}" type="slidenum">
               <a:rPr lang="en-US" smtClean="0"/>
-              <a:t>23</a:t>
+              <a:t>24</a:t>
             </a:fld>
             <a:endParaRPr lang="en-US"/>
           </a:p>
@@ -36957,7 +37042,7 @@
 </p:notes>
 </file>
 
-<file path=ppt/notesSlides/notesSlide23.xml><?xml version="1.0" encoding="utf-8"?>
+<file path=ppt/notesSlides/notesSlide24.xml><?xml version="1.0" encoding="utf-8"?>
 <p:notes xmlns:a="http://schemas.openxmlformats.org/drawingml/2006/main" xmlns:r="http://schemas.openxmlformats.org/officeDocument/2006/relationships" xmlns:p="http://schemas.openxmlformats.org/presentationml/2006/main">
   <p:cSld>
     <p:spTree>
@@ -37051,7 +37136,7 @@
           <a:p>
             <a:fld id="{DA33D68E-0A2E-4685-8D02-33AAB4795D59}" type="slidenum">
               <a:rPr lang="en-US" smtClean="0"/>
-              <a:t>24</a:t>
+              <a:t>25</a:t>
             </a:fld>
             <a:endParaRPr lang="en-US"/>
           </a:p>
@@ -46380,14 +46465,6 @@
 <file path=ppt/slides/slide19.xml><?xml version="1.0" encoding="utf-8"?>
 <p:sld xmlns:a="http://schemas.openxmlformats.org/drawingml/2006/main" xmlns:r="http://schemas.openxmlformats.org/officeDocument/2006/relationships" xmlns:p="http://schemas.openxmlformats.org/presentationml/2006/main">
   <p:cSld>
-    <p:bg>
-      <p:bgPr>
-        <a:solidFill>
-          <a:schemeClr val="bg1"/>
-        </a:solidFill>
-        <a:effectLst/>
-      </p:bgPr>
-    </p:bg>
     <p:spTree>
       <p:nvGrpSpPr>
         <p:cNvPr id="1" name=""/>
@@ -46404,491 +46481,10 @@
       </p:grpSpPr>
       <p:sp>
         <p:nvSpPr>
-          <p:cNvPr id="10" name="Freeform: Shape 9">
-            <a:extLst>
-              <a:ext uri="{FF2B5EF4-FFF2-40B4-BE49-F238E27FC236}">
-                <a16:creationId xmlns:a16="http://schemas.microsoft.com/office/drawing/2014/main" id="{46C2E80F-49A6-4372-B103-219D417A55ED}"/>
-              </a:ext>
-              <a:ext uri="{C183D7F6-B498-43B3-948B-1728B52AA6E4}">
-                <adec:decorative xmlns:adec="http://schemas.microsoft.com/office/drawing/2017/decorative" val="1"/>
-              </a:ext>
-            </a:extLst>
-          </p:cNvPr>
-          <p:cNvSpPr>
-            <a:spLocks noGrp="1" noRot="1" noChangeAspect="1" noMove="1" noResize="1" noEditPoints="1" noAdjustHandles="1" noChangeArrowheads="1" noChangeShapeType="1" noTextEdit="1"/>
-          </p:cNvSpPr>
-          <p:nvPr>
-            <p:extLst>
-              <p:ext uri="{386F3935-93C4-4BCD-93E2-E3B085C9AB24}">
-                <p16:designElem xmlns:p16="http://schemas.microsoft.com/office/powerpoint/2015/main" val="1"/>
-              </p:ext>
-            </p:extLst>
-          </p:nvPr>
-        </p:nvSpPr>
-        <p:spPr>
-          <a:xfrm>
-            <a:off x="484096" y="470925"/>
-            <a:ext cx="4381009" cy="5892104"/>
-          </a:xfrm>
-          <a:custGeom>
-            <a:avLst/>
-            <a:gdLst>
-              <a:gd name="connsiteX0" fmla="*/ 0 w 4381009"/>
-              <a:gd name="connsiteY0" fmla="*/ 0 h 5892104"/>
-              <a:gd name="connsiteX1" fmla="*/ 4157628 w 4381009"/>
-              <a:gd name="connsiteY1" fmla="*/ 0 h 5892104"/>
-              <a:gd name="connsiteX2" fmla="*/ 4169302 w 4381009"/>
-              <a:gd name="connsiteY2" fmla="*/ 68659 h 5892104"/>
-              <a:gd name="connsiteX3" fmla="*/ 4191571 w 4381009"/>
-              <a:gd name="connsiteY3" fmla="*/ 205472 h 5892104"/>
-              <a:gd name="connsiteX4" fmla="*/ 4213368 w 4381009"/>
-              <a:gd name="connsiteY4" fmla="*/ 342890 h 5892104"/>
-              <a:gd name="connsiteX5" fmla="*/ 4232030 w 4381009"/>
-              <a:gd name="connsiteY5" fmla="*/ 480913 h 5892104"/>
-              <a:gd name="connsiteX6" fmla="*/ 4250848 w 4381009"/>
-              <a:gd name="connsiteY6" fmla="*/ 618332 h 5892104"/>
-              <a:gd name="connsiteX7" fmla="*/ 4268412 w 4381009"/>
-              <a:gd name="connsiteY7" fmla="*/ 756355 h 5892104"/>
-              <a:gd name="connsiteX8" fmla="*/ 4283467 w 4381009"/>
-              <a:gd name="connsiteY8" fmla="*/ 892563 h 5892104"/>
-              <a:gd name="connsiteX9" fmla="*/ 4297737 w 4381009"/>
-              <a:gd name="connsiteY9" fmla="*/ 1030587 h 5892104"/>
-              <a:gd name="connsiteX10" fmla="*/ 4310754 w 4381009"/>
-              <a:gd name="connsiteY10" fmla="*/ 1168005 h 5892104"/>
-              <a:gd name="connsiteX11" fmla="*/ 4322045 w 4381009"/>
-              <a:gd name="connsiteY11" fmla="*/ 1303002 h 5892104"/>
-              <a:gd name="connsiteX12" fmla="*/ 4333336 w 4381009"/>
-              <a:gd name="connsiteY12" fmla="*/ 1439815 h 5892104"/>
-              <a:gd name="connsiteX13" fmla="*/ 4342745 w 4381009"/>
-              <a:gd name="connsiteY13" fmla="*/ 1574812 h 5892104"/>
-              <a:gd name="connsiteX14" fmla="*/ 4350115 w 4381009"/>
-              <a:gd name="connsiteY14" fmla="*/ 1709808 h 5892104"/>
-              <a:gd name="connsiteX15" fmla="*/ 4357799 w 4381009"/>
-              <a:gd name="connsiteY15" fmla="*/ 1844200 h 5892104"/>
-              <a:gd name="connsiteX16" fmla="*/ 4364229 w 4381009"/>
-              <a:gd name="connsiteY16" fmla="*/ 1977381 h 5892104"/>
-              <a:gd name="connsiteX17" fmla="*/ 4368777 w 4381009"/>
-              <a:gd name="connsiteY17" fmla="*/ 2109351 h 5892104"/>
-              <a:gd name="connsiteX18" fmla="*/ 4372697 w 4381009"/>
-              <a:gd name="connsiteY18" fmla="*/ 2241321 h 5892104"/>
-              <a:gd name="connsiteX19" fmla="*/ 4376461 w 4381009"/>
-              <a:gd name="connsiteY19" fmla="*/ 2372080 h 5892104"/>
-              <a:gd name="connsiteX20" fmla="*/ 4378186 w 4381009"/>
-              <a:gd name="connsiteY20" fmla="*/ 2501023 h 5892104"/>
-              <a:gd name="connsiteX21" fmla="*/ 4380068 w 4381009"/>
-              <a:gd name="connsiteY21" fmla="*/ 2629966 h 5892104"/>
-              <a:gd name="connsiteX22" fmla="*/ 4381009 w 4381009"/>
-              <a:gd name="connsiteY22" fmla="*/ 2757093 h 5892104"/>
-              <a:gd name="connsiteX23" fmla="*/ 4380068 w 4381009"/>
-              <a:gd name="connsiteY23" fmla="*/ 2883010 h 5892104"/>
-              <a:gd name="connsiteX24" fmla="*/ 4380068 w 4381009"/>
-              <a:gd name="connsiteY24" fmla="*/ 3007715 h 5892104"/>
-              <a:gd name="connsiteX25" fmla="*/ 4378186 w 4381009"/>
-              <a:gd name="connsiteY25" fmla="*/ 3131210 h 5892104"/>
-              <a:gd name="connsiteX26" fmla="*/ 4375363 w 4381009"/>
-              <a:gd name="connsiteY26" fmla="*/ 3252283 h 5892104"/>
-              <a:gd name="connsiteX27" fmla="*/ 4372697 w 4381009"/>
-              <a:gd name="connsiteY27" fmla="*/ 3372146 h 5892104"/>
-              <a:gd name="connsiteX28" fmla="*/ 4369718 w 4381009"/>
-              <a:gd name="connsiteY28" fmla="*/ 3489587 h 5892104"/>
-              <a:gd name="connsiteX29" fmla="*/ 4365170 w 4381009"/>
-              <a:gd name="connsiteY29" fmla="*/ 3606423 h 5892104"/>
-              <a:gd name="connsiteX30" fmla="*/ 4360309 w 4381009"/>
-              <a:gd name="connsiteY30" fmla="*/ 3721443 h 5892104"/>
-              <a:gd name="connsiteX31" fmla="*/ 4355918 w 4381009"/>
-              <a:gd name="connsiteY31" fmla="*/ 3834041 h 5892104"/>
-              <a:gd name="connsiteX32" fmla="*/ 4343529 w 4381009"/>
-              <a:gd name="connsiteY32" fmla="*/ 4053789 h 5892104"/>
-              <a:gd name="connsiteX33" fmla="*/ 4330356 w 4381009"/>
-              <a:gd name="connsiteY33" fmla="*/ 4264457 h 5892104"/>
-              <a:gd name="connsiteX34" fmla="*/ 4316556 w 4381009"/>
-              <a:gd name="connsiteY34" fmla="*/ 4466650 h 5892104"/>
-              <a:gd name="connsiteX35" fmla="*/ 4301344 w 4381009"/>
-              <a:gd name="connsiteY35" fmla="*/ 4657946 h 5892104"/>
-              <a:gd name="connsiteX36" fmla="*/ 4285506 w 4381009"/>
-              <a:gd name="connsiteY36" fmla="*/ 4840767 h 5892104"/>
-              <a:gd name="connsiteX37" fmla="*/ 4268412 w 4381009"/>
-              <a:gd name="connsiteY37" fmla="*/ 5010269 h 5892104"/>
-              <a:gd name="connsiteX38" fmla="*/ 4251633 w 4381009"/>
-              <a:gd name="connsiteY38" fmla="*/ 5169481 h 5892104"/>
-              <a:gd name="connsiteX39" fmla="*/ 4234853 w 4381009"/>
-              <a:gd name="connsiteY39" fmla="*/ 5315980 h 5892104"/>
-              <a:gd name="connsiteX40" fmla="*/ 4219014 w 4381009"/>
-              <a:gd name="connsiteY40" fmla="*/ 5450371 h 5892104"/>
-              <a:gd name="connsiteX41" fmla="*/ 4203959 w 4381009"/>
-              <a:gd name="connsiteY41" fmla="*/ 5569628 h 5892104"/>
-              <a:gd name="connsiteX42" fmla="*/ 4189689 w 4381009"/>
-              <a:gd name="connsiteY42" fmla="*/ 5677384 h 5892104"/>
-              <a:gd name="connsiteX43" fmla="*/ 4177770 w 4381009"/>
-              <a:gd name="connsiteY43" fmla="*/ 5768189 h 5892104"/>
-              <a:gd name="connsiteX44" fmla="*/ 4166479 w 4381009"/>
-              <a:gd name="connsiteY44" fmla="*/ 5844465 h 5892104"/>
-              <a:gd name="connsiteX45" fmla="*/ 4159132 w 4381009"/>
-              <a:gd name="connsiteY45" fmla="*/ 5892104 h 5892104"/>
-              <a:gd name="connsiteX46" fmla="*/ 0 w 4381009"/>
-              <a:gd name="connsiteY46" fmla="*/ 5892104 h 5892104"/>
-            </a:gdLst>
-            <a:ahLst/>
-            <a:cxnLst>
-              <a:cxn ang="0">
-                <a:pos x="connsiteX0" y="connsiteY0"/>
-              </a:cxn>
-              <a:cxn ang="0">
-                <a:pos x="connsiteX1" y="connsiteY1"/>
-              </a:cxn>
-              <a:cxn ang="0">
-                <a:pos x="connsiteX2" y="connsiteY2"/>
-              </a:cxn>
-              <a:cxn ang="0">
-                <a:pos x="connsiteX3" y="connsiteY3"/>
-              </a:cxn>
-              <a:cxn ang="0">
-                <a:pos x="connsiteX4" y="connsiteY4"/>
-              </a:cxn>
-              <a:cxn ang="0">
-                <a:pos x="connsiteX5" y="connsiteY5"/>
-              </a:cxn>
-              <a:cxn ang="0">
-                <a:pos x="connsiteX6" y="connsiteY6"/>
-              </a:cxn>
-              <a:cxn ang="0">
-                <a:pos x="connsiteX7" y="connsiteY7"/>
-              </a:cxn>
-              <a:cxn ang="0">
-                <a:pos x="connsiteX8" y="connsiteY8"/>
-              </a:cxn>
-              <a:cxn ang="0">
-                <a:pos x="connsiteX9" y="connsiteY9"/>
-              </a:cxn>
-              <a:cxn ang="0">
-                <a:pos x="connsiteX10" y="connsiteY10"/>
-              </a:cxn>
-              <a:cxn ang="0">
-                <a:pos x="connsiteX11" y="connsiteY11"/>
-              </a:cxn>
-              <a:cxn ang="0">
-                <a:pos x="connsiteX12" y="connsiteY12"/>
-              </a:cxn>
-              <a:cxn ang="0">
-                <a:pos x="connsiteX13" y="connsiteY13"/>
-              </a:cxn>
-              <a:cxn ang="0">
-                <a:pos x="connsiteX14" y="connsiteY14"/>
-              </a:cxn>
-              <a:cxn ang="0">
-                <a:pos x="connsiteX15" y="connsiteY15"/>
-              </a:cxn>
-              <a:cxn ang="0">
-                <a:pos x="connsiteX16" y="connsiteY16"/>
-              </a:cxn>
-              <a:cxn ang="0">
-                <a:pos x="connsiteX17" y="connsiteY17"/>
-              </a:cxn>
-              <a:cxn ang="0">
-                <a:pos x="connsiteX18" y="connsiteY18"/>
-              </a:cxn>
-              <a:cxn ang="0">
-                <a:pos x="connsiteX19" y="connsiteY19"/>
-              </a:cxn>
-              <a:cxn ang="0">
-                <a:pos x="connsiteX20" y="connsiteY20"/>
-              </a:cxn>
-              <a:cxn ang="0">
-                <a:pos x="connsiteX21" y="connsiteY21"/>
-              </a:cxn>
-              <a:cxn ang="0">
-                <a:pos x="connsiteX22" y="connsiteY22"/>
-              </a:cxn>
-              <a:cxn ang="0">
-                <a:pos x="connsiteX23" y="connsiteY23"/>
-              </a:cxn>
-              <a:cxn ang="0">
-                <a:pos x="connsiteX24" y="connsiteY24"/>
-              </a:cxn>
-              <a:cxn ang="0">
-                <a:pos x="connsiteX25" y="connsiteY25"/>
-              </a:cxn>
-              <a:cxn ang="0">
-                <a:pos x="connsiteX26" y="connsiteY26"/>
-              </a:cxn>
-              <a:cxn ang="0">
-                <a:pos x="connsiteX27" y="connsiteY27"/>
-              </a:cxn>
-              <a:cxn ang="0">
-                <a:pos x="connsiteX28" y="connsiteY28"/>
-              </a:cxn>
-              <a:cxn ang="0">
-                <a:pos x="connsiteX29" y="connsiteY29"/>
-              </a:cxn>
-              <a:cxn ang="0">
-                <a:pos x="connsiteX30" y="connsiteY30"/>
-              </a:cxn>
-              <a:cxn ang="0">
-                <a:pos x="connsiteX31" y="connsiteY31"/>
-              </a:cxn>
-              <a:cxn ang="0">
-                <a:pos x="connsiteX32" y="connsiteY32"/>
-              </a:cxn>
-              <a:cxn ang="0">
-                <a:pos x="connsiteX33" y="connsiteY33"/>
-              </a:cxn>
-              <a:cxn ang="0">
-                <a:pos x="connsiteX34" y="connsiteY34"/>
-              </a:cxn>
-              <a:cxn ang="0">
-                <a:pos x="connsiteX35" y="connsiteY35"/>
-              </a:cxn>
-              <a:cxn ang="0">
-                <a:pos x="connsiteX36" y="connsiteY36"/>
-              </a:cxn>
-              <a:cxn ang="0">
-                <a:pos x="connsiteX37" y="connsiteY37"/>
-              </a:cxn>
-              <a:cxn ang="0">
-                <a:pos x="connsiteX38" y="connsiteY38"/>
-              </a:cxn>
-              <a:cxn ang="0">
-                <a:pos x="connsiteX39" y="connsiteY39"/>
-              </a:cxn>
-              <a:cxn ang="0">
-                <a:pos x="connsiteX40" y="connsiteY40"/>
-              </a:cxn>
-              <a:cxn ang="0">
-                <a:pos x="connsiteX41" y="connsiteY41"/>
-              </a:cxn>
-              <a:cxn ang="0">
-                <a:pos x="connsiteX42" y="connsiteY42"/>
-              </a:cxn>
-              <a:cxn ang="0">
-                <a:pos x="connsiteX43" y="connsiteY43"/>
-              </a:cxn>
-              <a:cxn ang="0">
-                <a:pos x="connsiteX44" y="connsiteY44"/>
-              </a:cxn>
-              <a:cxn ang="0">
-                <a:pos x="connsiteX45" y="connsiteY45"/>
-              </a:cxn>
-              <a:cxn ang="0">
-                <a:pos x="connsiteX46" y="connsiteY46"/>
-              </a:cxn>
-            </a:cxnLst>
-            <a:rect l="l" t="t" r="r" b="b"/>
-            <a:pathLst>
-              <a:path w="4381009" h="5892104">
-                <a:moveTo>
-                  <a:pt x="0" y="0"/>
-                </a:moveTo>
-                <a:lnTo>
-                  <a:pt x="4157628" y="0"/>
-                </a:lnTo>
-                <a:lnTo>
-                  <a:pt x="4169302" y="68659"/>
-                </a:lnTo>
-                <a:lnTo>
-                  <a:pt x="4191571" y="205472"/>
-                </a:lnTo>
-                <a:lnTo>
-                  <a:pt x="4213368" y="342890"/>
-                </a:lnTo>
-                <a:lnTo>
-                  <a:pt x="4232030" y="480913"/>
-                </a:lnTo>
-                <a:lnTo>
-                  <a:pt x="4250848" y="618332"/>
-                </a:lnTo>
-                <a:lnTo>
-                  <a:pt x="4268412" y="756355"/>
-                </a:lnTo>
-                <a:lnTo>
-                  <a:pt x="4283467" y="892563"/>
-                </a:lnTo>
-                <a:lnTo>
-                  <a:pt x="4297737" y="1030587"/>
-                </a:lnTo>
-                <a:lnTo>
-                  <a:pt x="4310754" y="1168005"/>
-                </a:lnTo>
-                <a:lnTo>
-                  <a:pt x="4322045" y="1303002"/>
-                </a:lnTo>
-                <a:lnTo>
-                  <a:pt x="4333336" y="1439815"/>
-                </a:lnTo>
-                <a:lnTo>
-                  <a:pt x="4342745" y="1574812"/>
-                </a:lnTo>
-                <a:lnTo>
-                  <a:pt x="4350115" y="1709808"/>
-                </a:lnTo>
-                <a:lnTo>
-                  <a:pt x="4357799" y="1844200"/>
-                </a:lnTo>
-                <a:lnTo>
-                  <a:pt x="4364229" y="1977381"/>
-                </a:lnTo>
-                <a:lnTo>
-                  <a:pt x="4368777" y="2109351"/>
-                </a:lnTo>
-                <a:lnTo>
-                  <a:pt x="4372697" y="2241321"/>
-                </a:lnTo>
-                <a:lnTo>
-                  <a:pt x="4376461" y="2372080"/>
-                </a:lnTo>
-                <a:lnTo>
-                  <a:pt x="4378186" y="2501023"/>
-                </a:lnTo>
-                <a:lnTo>
-                  <a:pt x="4380068" y="2629966"/>
-                </a:lnTo>
-                <a:lnTo>
-                  <a:pt x="4381009" y="2757093"/>
-                </a:lnTo>
-                <a:lnTo>
-                  <a:pt x="4380068" y="2883010"/>
-                </a:lnTo>
-                <a:lnTo>
-                  <a:pt x="4380068" y="3007715"/>
-                </a:lnTo>
-                <a:lnTo>
-                  <a:pt x="4378186" y="3131210"/>
-                </a:lnTo>
-                <a:lnTo>
-                  <a:pt x="4375363" y="3252283"/>
-                </a:lnTo>
-                <a:lnTo>
-                  <a:pt x="4372697" y="3372146"/>
-                </a:lnTo>
-                <a:lnTo>
-                  <a:pt x="4369718" y="3489587"/>
-                </a:lnTo>
-                <a:lnTo>
-                  <a:pt x="4365170" y="3606423"/>
-                </a:lnTo>
-                <a:lnTo>
-                  <a:pt x="4360309" y="3721443"/>
-                </a:lnTo>
-                <a:lnTo>
-                  <a:pt x="4355918" y="3834041"/>
-                </a:lnTo>
-                <a:lnTo>
-                  <a:pt x="4343529" y="4053789"/>
-                </a:lnTo>
-                <a:lnTo>
-                  <a:pt x="4330356" y="4264457"/>
-                </a:lnTo>
-                <a:lnTo>
-                  <a:pt x="4316556" y="4466650"/>
-                </a:lnTo>
-                <a:lnTo>
-                  <a:pt x="4301344" y="4657946"/>
-                </a:lnTo>
-                <a:lnTo>
-                  <a:pt x="4285506" y="4840767"/>
-                </a:lnTo>
-                <a:lnTo>
-                  <a:pt x="4268412" y="5010269"/>
-                </a:lnTo>
-                <a:lnTo>
-                  <a:pt x="4251633" y="5169481"/>
-                </a:lnTo>
-                <a:lnTo>
-                  <a:pt x="4234853" y="5315980"/>
-                </a:lnTo>
-                <a:lnTo>
-                  <a:pt x="4219014" y="5450371"/>
-                </a:lnTo>
-                <a:lnTo>
-                  <a:pt x="4203959" y="5569628"/>
-                </a:lnTo>
-                <a:lnTo>
-                  <a:pt x="4189689" y="5677384"/>
-                </a:lnTo>
-                <a:lnTo>
-                  <a:pt x="4177770" y="5768189"/>
-                </a:lnTo>
-                <a:lnTo>
-                  <a:pt x="4166479" y="5844465"/>
-                </a:lnTo>
-                <a:lnTo>
-                  <a:pt x="4159132" y="5892104"/>
-                </a:lnTo>
-                <a:lnTo>
-                  <a:pt x="0" y="5892104"/>
-                </a:lnTo>
-                <a:close/>
-              </a:path>
-            </a:pathLst>
-          </a:custGeom>
-          <a:solidFill>
-            <a:srgbClr val="404040"/>
-          </a:solidFill>
-          <a:ln>
-            <a:noFill/>
-          </a:ln>
-        </p:spPr>
-        <p:style>
-          <a:lnRef idx="2">
-            <a:schemeClr val="accent1">
-              <a:shade val="50000"/>
-            </a:schemeClr>
-          </a:lnRef>
-          <a:fillRef idx="1">
-            <a:schemeClr val="accent1"/>
-          </a:fillRef>
-          <a:effectRef idx="0">
-            <a:schemeClr val="accent1"/>
-          </a:effectRef>
-          <a:fontRef idx="minor">
-            <a:schemeClr val="lt1"/>
-          </a:fontRef>
-        </p:style>
-        <p:txBody>
-          <a:bodyPr wrap="square" rtlCol="0" anchor="ctr">
-            <a:noAutofit/>
-          </a:bodyPr>
-          <a:lstStyle/>
-          <a:p>
-            <a:pPr marL="0" marR="0" lvl="0" indent="0" algn="ctr" defTabSz="457200" rtl="0" eaLnBrk="1" fontAlgn="auto" latinLnBrk="0" hangingPunct="1">
-              <a:lnSpc>
-                <a:spcPct val="100000"/>
-              </a:lnSpc>
-              <a:spcBef>
-                <a:spcPts val="0"/>
-              </a:spcBef>
-              <a:spcAft>
-                <a:spcPts val="0"/>
-              </a:spcAft>
-              <a:buClrTx/>
-              <a:buSzTx/>
-              <a:buFontTx/>
-              <a:buNone/>
-              <a:tabLst/>
-              <a:defRPr/>
-            </a:pPr>
-            <a:endParaRPr kumimoji="0" lang="en-US" sz="1800" b="0" i="0" u="none" strike="noStrike" kern="1200" cap="none" spc="0" normalizeH="0" baseline="0" noProof="0">
-              <a:ln>
-                <a:noFill/>
-              </a:ln>
-              <a:solidFill>
-                <a:prstClr val="white"/>
-              </a:solidFill>
-              <a:effectLst/>
-              <a:uLnTx/>
-              <a:uFillTx/>
-              <a:latin typeface="Calibri" panose="020F0502020204030204"/>
-              <a:ea typeface="+mn-ea"/>
-              <a:cs typeface="+mn-cs"/>
-            </a:endParaRPr>
-          </a:p>
-        </p:txBody>
-      </p:sp>
-      <p:sp>
-        <p:nvSpPr>
           <p:cNvPr id="2" name="Title 1">
             <a:extLst>
               <a:ext uri="{FF2B5EF4-FFF2-40B4-BE49-F238E27FC236}">
-                <a16:creationId xmlns:a16="http://schemas.microsoft.com/office/drawing/2014/main" id="{5EFF6E03-C59F-4837-A24A-A987D75B0D57}"/>
+                <a16:creationId xmlns:a16="http://schemas.microsoft.com/office/drawing/2014/main" id="{B80E7A15-28F0-47AC-9E67-219B335CE007}"/>
               </a:ext>
             </a:extLst>
           </p:cNvPr>
@@ -46901,57 +46497,92 @@
         </p:nvSpPr>
         <p:spPr>
           <a:xfrm>
-            <a:off x="863029" y="1012004"/>
-            <a:ext cx="3416158" cy="4795408"/>
+            <a:off x="838200" y="365125"/>
+            <a:ext cx="10515600" cy="1325563"/>
           </a:xfrm>
         </p:spPr>
         <p:txBody>
-          <a:bodyPr>
-            <a:normAutofit/>
+          <a:bodyPr/>
+          <a:lstStyle/>
+          <a:p>
+            <a:r>
+              <a:rPr lang="en-US"/>
+              <a:t>Notebooks in Production</a:t>
+            </a:r>
+            <a:endParaRPr lang="en-US" dirty="0"/>
+          </a:p>
+        </p:txBody>
+      </p:sp>
+      <p:sp>
+        <p:nvSpPr>
+          <p:cNvPr id="5" name="Rectangle 4">
+            <a:extLst>
+              <a:ext uri="{FF2B5EF4-FFF2-40B4-BE49-F238E27FC236}">
+                <a16:creationId xmlns:a16="http://schemas.microsoft.com/office/drawing/2014/main" id="{2F0266EC-EF94-41B7-BBB6-DEFFF070608B}"/>
+              </a:ext>
+            </a:extLst>
+          </p:cNvPr>
+          <p:cNvSpPr/>
+          <p:nvPr/>
+        </p:nvSpPr>
+        <p:spPr>
+          <a:xfrm>
+            <a:off x="2114546" y="6176963"/>
+            <a:ext cx="8198177" cy="369332"/>
+          </a:xfrm>
+          <a:prstGeom prst="rect">
+            <a:avLst/>
+          </a:prstGeom>
+        </p:spPr>
+        <p:txBody>
+          <a:bodyPr wrap="square">
+            <a:spAutoFit/>
           </a:bodyPr>
           <a:lstStyle/>
           <a:p>
             <a:r>
-              <a:rPr lang="en-US" dirty="0">
-                <a:solidFill>
-                  <a:srgbClr val="FFFFFF"/>
-                </a:solidFill>
-              </a:rPr>
-              <a:t>Jupyter</a:t>
+              <a:rPr lang="en-US" dirty="0"/>
+              <a:t>Source: https://medium.com/netflix-techblog/notebook-innovation-591ee3221233</a:t>
             </a:r>
           </a:p>
         </p:txBody>
       </p:sp>
-      <p:graphicFrame>
-        <p:nvGraphicFramePr>
-          <p:cNvPr id="5" name="Content Placeholder 2">
+      <p:pic>
+        <p:nvPicPr>
+          <p:cNvPr id="7" name="Content Placeholder 6">
             <a:extLst>
               <a:ext uri="{FF2B5EF4-FFF2-40B4-BE49-F238E27FC236}">
-                <a16:creationId xmlns:a16="http://schemas.microsoft.com/office/drawing/2014/main" id="{1A50043B-4812-4CB2-A7EA-D4C4A3BA832F}"/>
+                <a16:creationId xmlns:a16="http://schemas.microsoft.com/office/drawing/2014/main" id="{F4BB2ADC-9A4F-497F-ABBB-E378AEA7E914}"/>
               </a:ext>
             </a:extLst>
           </p:cNvPr>
-          <p:cNvGraphicFramePr>
-            <a:graphicFrameLocks noGrp="1"/>
-          </p:cNvGraphicFramePr>
+          <p:cNvPicPr>
+            <a:picLocks noGrp="1" noChangeAspect="1"/>
+          </p:cNvPicPr>
           <p:nvPr>
             <p:ph idx="1"/>
           </p:nvPr>
-        </p:nvGraphicFramePr>
-        <p:xfrm>
-          <a:off x="5194300" y="470924"/>
-          <a:ext cx="6513604" cy="5885426"/>
-        </p:xfrm>
-        <a:graphic>
-          <a:graphicData uri="http://schemas.openxmlformats.org/drawingml/2006/diagram">
-            <dgm:relIds xmlns:dgm="http://schemas.openxmlformats.org/drawingml/2006/diagram" xmlns:r="http://schemas.openxmlformats.org/officeDocument/2006/relationships" r:dm="rId3" r:lo="rId4" r:qs="rId5" r:cs="rId6"/>
-          </a:graphicData>
-        </a:graphic>
-      </p:graphicFrame>
+        </p:nvPicPr>
+        <p:blipFill>
+          <a:blip r:embed="rId3"/>
+          <a:stretch>
+            <a:fillRect/>
+          </a:stretch>
+        </p:blipFill>
+        <p:spPr>
+          <a:xfrm>
+            <a:off x="1703209" y="1424025"/>
+            <a:ext cx="8785581" cy="4752938"/>
+          </a:xfrm>
+          <a:prstGeom prst="rect">
+            <a:avLst/>
+          </a:prstGeom>
+        </p:spPr>
+      </p:pic>
     </p:spTree>
     <p:extLst>
       <p:ext uri="{BB962C8B-B14F-4D97-AF65-F5344CB8AC3E}">
-        <p14:creationId xmlns:p14="http://schemas.microsoft.com/office/powerpoint/2010/main" val="17864186"/>
+        <p14:creationId xmlns:p14="http://schemas.microsoft.com/office/powerpoint/2010/main" val="422889322"/>
       </p:ext>
     </p:extLst>
   </p:cSld>
@@ -48142,6 +47773,590 @@
           <p:cNvPr id="2" name="Title 1">
             <a:extLst>
               <a:ext uri="{FF2B5EF4-FFF2-40B4-BE49-F238E27FC236}">
+                <a16:creationId xmlns:a16="http://schemas.microsoft.com/office/drawing/2014/main" id="{5EFF6E03-C59F-4837-A24A-A987D75B0D57}"/>
+              </a:ext>
+            </a:extLst>
+          </p:cNvPr>
+          <p:cNvSpPr>
+            <a:spLocks noGrp="1"/>
+          </p:cNvSpPr>
+          <p:nvPr>
+            <p:ph type="title"/>
+          </p:nvPr>
+        </p:nvSpPr>
+        <p:spPr>
+          <a:xfrm>
+            <a:off x="863029" y="1012004"/>
+            <a:ext cx="3416158" cy="4795408"/>
+          </a:xfrm>
+        </p:spPr>
+        <p:txBody>
+          <a:bodyPr>
+            <a:normAutofit/>
+          </a:bodyPr>
+          <a:lstStyle/>
+          <a:p>
+            <a:r>
+              <a:rPr lang="en-US" dirty="0">
+                <a:solidFill>
+                  <a:srgbClr val="FFFFFF"/>
+                </a:solidFill>
+              </a:rPr>
+              <a:t>Jupyter</a:t>
+            </a:r>
+          </a:p>
+        </p:txBody>
+      </p:sp>
+      <p:graphicFrame>
+        <p:nvGraphicFramePr>
+          <p:cNvPr id="5" name="Content Placeholder 2">
+            <a:extLst>
+              <a:ext uri="{FF2B5EF4-FFF2-40B4-BE49-F238E27FC236}">
+                <a16:creationId xmlns:a16="http://schemas.microsoft.com/office/drawing/2014/main" id="{1A50043B-4812-4CB2-A7EA-D4C4A3BA832F}"/>
+              </a:ext>
+            </a:extLst>
+          </p:cNvPr>
+          <p:cNvGraphicFramePr>
+            <a:graphicFrameLocks noGrp="1"/>
+          </p:cNvGraphicFramePr>
+          <p:nvPr>
+            <p:ph idx="1"/>
+          </p:nvPr>
+        </p:nvGraphicFramePr>
+        <p:xfrm>
+          <a:off x="5194300" y="470924"/>
+          <a:ext cx="6513604" cy="5885426"/>
+        </p:xfrm>
+        <a:graphic>
+          <a:graphicData uri="http://schemas.openxmlformats.org/drawingml/2006/diagram">
+            <dgm:relIds xmlns:dgm="http://schemas.openxmlformats.org/drawingml/2006/diagram" xmlns:r="http://schemas.openxmlformats.org/officeDocument/2006/relationships" r:dm="rId3" r:lo="rId4" r:qs="rId5" r:cs="rId6"/>
+          </a:graphicData>
+        </a:graphic>
+      </p:graphicFrame>
+    </p:spTree>
+    <p:extLst>
+      <p:ext uri="{BB962C8B-B14F-4D97-AF65-F5344CB8AC3E}">
+        <p14:creationId xmlns:p14="http://schemas.microsoft.com/office/powerpoint/2010/main" val="17864186"/>
+      </p:ext>
+    </p:extLst>
+  </p:cSld>
+  <p:clrMapOvr>
+    <a:masterClrMapping/>
+  </p:clrMapOvr>
+</p:sld>
+</file>
+
+<file path=ppt/slides/slide21.xml><?xml version="1.0" encoding="utf-8"?>
+<p:sld xmlns:a="http://schemas.openxmlformats.org/drawingml/2006/main" xmlns:r="http://schemas.openxmlformats.org/officeDocument/2006/relationships" xmlns:p="http://schemas.openxmlformats.org/presentationml/2006/main">
+  <p:cSld>
+    <p:bg>
+      <p:bgPr>
+        <a:solidFill>
+          <a:schemeClr val="bg1"/>
+        </a:solidFill>
+        <a:effectLst/>
+      </p:bgPr>
+    </p:bg>
+    <p:spTree>
+      <p:nvGrpSpPr>
+        <p:cNvPr id="1" name=""/>
+        <p:cNvGrpSpPr/>
+        <p:nvPr/>
+      </p:nvGrpSpPr>
+      <p:grpSpPr>
+        <a:xfrm>
+          <a:off x="0" y="0"/>
+          <a:ext cx="0" cy="0"/>
+          <a:chOff x="0" y="0"/>
+          <a:chExt cx="0" cy="0"/>
+        </a:xfrm>
+      </p:grpSpPr>
+      <p:sp>
+        <p:nvSpPr>
+          <p:cNvPr id="10" name="Freeform: Shape 9">
+            <a:extLst>
+              <a:ext uri="{FF2B5EF4-FFF2-40B4-BE49-F238E27FC236}">
+                <a16:creationId xmlns:a16="http://schemas.microsoft.com/office/drawing/2014/main" id="{46C2E80F-49A6-4372-B103-219D417A55ED}"/>
+              </a:ext>
+              <a:ext uri="{C183D7F6-B498-43B3-948B-1728B52AA6E4}">
+                <adec:decorative xmlns:adec="http://schemas.microsoft.com/office/drawing/2017/decorative" val="1"/>
+              </a:ext>
+            </a:extLst>
+          </p:cNvPr>
+          <p:cNvSpPr>
+            <a:spLocks noGrp="1" noRot="1" noChangeAspect="1" noMove="1" noResize="1" noEditPoints="1" noAdjustHandles="1" noChangeArrowheads="1" noChangeShapeType="1" noTextEdit="1"/>
+          </p:cNvSpPr>
+          <p:nvPr>
+            <p:extLst>
+              <p:ext uri="{386F3935-93C4-4BCD-93E2-E3B085C9AB24}">
+                <p16:designElem xmlns:p16="http://schemas.microsoft.com/office/powerpoint/2015/main" val="1"/>
+              </p:ext>
+            </p:extLst>
+          </p:nvPr>
+        </p:nvSpPr>
+        <p:spPr>
+          <a:xfrm>
+            <a:off x="484096" y="470925"/>
+            <a:ext cx="4381009" cy="5892104"/>
+          </a:xfrm>
+          <a:custGeom>
+            <a:avLst/>
+            <a:gdLst>
+              <a:gd name="connsiteX0" fmla="*/ 0 w 4381009"/>
+              <a:gd name="connsiteY0" fmla="*/ 0 h 5892104"/>
+              <a:gd name="connsiteX1" fmla="*/ 4157628 w 4381009"/>
+              <a:gd name="connsiteY1" fmla="*/ 0 h 5892104"/>
+              <a:gd name="connsiteX2" fmla="*/ 4169302 w 4381009"/>
+              <a:gd name="connsiteY2" fmla="*/ 68659 h 5892104"/>
+              <a:gd name="connsiteX3" fmla="*/ 4191571 w 4381009"/>
+              <a:gd name="connsiteY3" fmla="*/ 205472 h 5892104"/>
+              <a:gd name="connsiteX4" fmla="*/ 4213368 w 4381009"/>
+              <a:gd name="connsiteY4" fmla="*/ 342890 h 5892104"/>
+              <a:gd name="connsiteX5" fmla="*/ 4232030 w 4381009"/>
+              <a:gd name="connsiteY5" fmla="*/ 480913 h 5892104"/>
+              <a:gd name="connsiteX6" fmla="*/ 4250848 w 4381009"/>
+              <a:gd name="connsiteY6" fmla="*/ 618332 h 5892104"/>
+              <a:gd name="connsiteX7" fmla="*/ 4268412 w 4381009"/>
+              <a:gd name="connsiteY7" fmla="*/ 756355 h 5892104"/>
+              <a:gd name="connsiteX8" fmla="*/ 4283467 w 4381009"/>
+              <a:gd name="connsiteY8" fmla="*/ 892563 h 5892104"/>
+              <a:gd name="connsiteX9" fmla="*/ 4297737 w 4381009"/>
+              <a:gd name="connsiteY9" fmla="*/ 1030587 h 5892104"/>
+              <a:gd name="connsiteX10" fmla="*/ 4310754 w 4381009"/>
+              <a:gd name="connsiteY10" fmla="*/ 1168005 h 5892104"/>
+              <a:gd name="connsiteX11" fmla="*/ 4322045 w 4381009"/>
+              <a:gd name="connsiteY11" fmla="*/ 1303002 h 5892104"/>
+              <a:gd name="connsiteX12" fmla="*/ 4333336 w 4381009"/>
+              <a:gd name="connsiteY12" fmla="*/ 1439815 h 5892104"/>
+              <a:gd name="connsiteX13" fmla="*/ 4342745 w 4381009"/>
+              <a:gd name="connsiteY13" fmla="*/ 1574812 h 5892104"/>
+              <a:gd name="connsiteX14" fmla="*/ 4350115 w 4381009"/>
+              <a:gd name="connsiteY14" fmla="*/ 1709808 h 5892104"/>
+              <a:gd name="connsiteX15" fmla="*/ 4357799 w 4381009"/>
+              <a:gd name="connsiteY15" fmla="*/ 1844200 h 5892104"/>
+              <a:gd name="connsiteX16" fmla="*/ 4364229 w 4381009"/>
+              <a:gd name="connsiteY16" fmla="*/ 1977381 h 5892104"/>
+              <a:gd name="connsiteX17" fmla="*/ 4368777 w 4381009"/>
+              <a:gd name="connsiteY17" fmla="*/ 2109351 h 5892104"/>
+              <a:gd name="connsiteX18" fmla="*/ 4372697 w 4381009"/>
+              <a:gd name="connsiteY18" fmla="*/ 2241321 h 5892104"/>
+              <a:gd name="connsiteX19" fmla="*/ 4376461 w 4381009"/>
+              <a:gd name="connsiteY19" fmla="*/ 2372080 h 5892104"/>
+              <a:gd name="connsiteX20" fmla="*/ 4378186 w 4381009"/>
+              <a:gd name="connsiteY20" fmla="*/ 2501023 h 5892104"/>
+              <a:gd name="connsiteX21" fmla="*/ 4380068 w 4381009"/>
+              <a:gd name="connsiteY21" fmla="*/ 2629966 h 5892104"/>
+              <a:gd name="connsiteX22" fmla="*/ 4381009 w 4381009"/>
+              <a:gd name="connsiteY22" fmla="*/ 2757093 h 5892104"/>
+              <a:gd name="connsiteX23" fmla="*/ 4380068 w 4381009"/>
+              <a:gd name="connsiteY23" fmla="*/ 2883010 h 5892104"/>
+              <a:gd name="connsiteX24" fmla="*/ 4380068 w 4381009"/>
+              <a:gd name="connsiteY24" fmla="*/ 3007715 h 5892104"/>
+              <a:gd name="connsiteX25" fmla="*/ 4378186 w 4381009"/>
+              <a:gd name="connsiteY25" fmla="*/ 3131210 h 5892104"/>
+              <a:gd name="connsiteX26" fmla="*/ 4375363 w 4381009"/>
+              <a:gd name="connsiteY26" fmla="*/ 3252283 h 5892104"/>
+              <a:gd name="connsiteX27" fmla="*/ 4372697 w 4381009"/>
+              <a:gd name="connsiteY27" fmla="*/ 3372146 h 5892104"/>
+              <a:gd name="connsiteX28" fmla="*/ 4369718 w 4381009"/>
+              <a:gd name="connsiteY28" fmla="*/ 3489587 h 5892104"/>
+              <a:gd name="connsiteX29" fmla="*/ 4365170 w 4381009"/>
+              <a:gd name="connsiteY29" fmla="*/ 3606423 h 5892104"/>
+              <a:gd name="connsiteX30" fmla="*/ 4360309 w 4381009"/>
+              <a:gd name="connsiteY30" fmla="*/ 3721443 h 5892104"/>
+              <a:gd name="connsiteX31" fmla="*/ 4355918 w 4381009"/>
+              <a:gd name="connsiteY31" fmla="*/ 3834041 h 5892104"/>
+              <a:gd name="connsiteX32" fmla="*/ 4343529 w 4381009"/>
+              <a:gd name="connsiteY32" fmla="*/ 4053789 h 5892104"/>
+              <a:gd name="connsiteX33" fmla="*/ 4330356 w 4381009"/>
+              <a:gd name="connsiteY33" fmla="*/ 4264457 h 5892104"/>
+              <a:gd name="connsiteX34" fmla="*/ 4316556 w 4381009"/>
+              <a:gd name="connsiteY34" fmla="*/ 4466650 h 5892104"/>
+              <a:gd name="connsiteX35" fmla="*/ 4301344 w 4381009"/>
+              <a:gd name="connsiteY35" fmla="*/ 4657946 h 5892104"/>
+              <a:gd name="connsiteX36" fmla="*/ 4285506 w 4381009"/>
+              <a:gd name="connsiteY36" fmla="*/ 4840767 h 5892104"/>
+              <a:gd name="connsiteX37" fmla="*/ 4268412 w 4381009"/>
+              <a:gd name="connsiteY37" fmla="*/ 5010269 h 5892104"/>
+              <a:gd name="connsiteX38" fmla="*/ 4251633 w 4381009"/>
+              <a:gd name="connsiteY38" fmla="*/ 5169481 h 5892104"/>
+              <a:gd name="connsiteX39" fmla="*/ 4234853 w 4381009"/>
+              <a:gd name="connsiteY39" fmla="*/ 5315980 h 5892104"/>
+              <a:gd name="connsiteX40" fmla="*/ 4219014 w 4381009"/>
+              <a:gd name="connsiteY40" fmla="*/ 5450371 h 5892104"/>
+              <a:gd name="connsiteX41" fmla="*/ 4203959 w 4381009"/>
+              <a:gd name="connsiteY41" fmla="*/ 5569628 h 5892104"/>
+              <a:gd name="connsiteX42" fmla="*/ 4189689 w 4381009"/>
+              <a:gd name="connsiteY42" fmla="*/ 5677384 h 5892104"/>
+              <a:gd name="connsiteX43" fmla="*/ 4177770 w 4381009"/>
+              <a:gd name="connsiteY43" fmla="*/ 5768189 h 5892104"/>
+              <a:gd name="connsiteX44" fmla="*/ 4166479 w 4381009"/>
+              <a:gd name="connsiteY44" fmla="*/ 5844465 h 5892104"/>
+              <a:gd name="connsiteX45" fmla="*/ 4159132 w 4381009"/>
+              <a:gd name="connsiteY45" fmla="*/ 5892104 h 5892104"/>
+              <a:gd name="connsiteX46" fmla="*/ 0 w 4381009"/>
+              <a:gd name="connsiteY46" fmla="*/ 5892104 h 5892104"/>
+            </a:gdLst>
+            <a:ahLst/>
+            <a:cxnLst>
+              <a:cxn ang="0">
+                <a:pos x="connsiteX0" y="connsiteY0"/>
+              </a:cxn>
+              <a:cxn ang="0">
+                <a:pos x="connsiteX1" y="connsiteY1"/>
+              </a:cxn>
+              <a:cxn ang="0">
+                <a:pos x="connsiteX2" y="connsiteY2"/>
+              </a:cxn>
+              <a:cxn ang="0">
+                <a:pos x="connsiteX3" y="connsiteY3"/>
+              </a:cxn>
+              <a:cxn ang="0">
+                <a:pos x="connsiteX4" y="connsiteY4"/>
+              </a:cxn>
+              <a:cxn ang="0">
+                <a:pos x="connsiteX5" y="connsiteY5"/>
+              </a:cxn>
+              <a:cxn ang="0">
+                <a:pos x="connsiteX6" y="connsiteY6"/>
+              </a:cxn>
+              <a:cxn ang="0">
+                <a:pos x="connsiteX7" y="connsiteY7"/>
+              </a:cxn>
+              <a:cxn ang="0">
+                <a:pos x="connsiteX8" y="connsiteY8"/>
+              </a:cxn>
+              <a:cxn ang="0">
+                <a:pos x="connsiteX9" y="connsiteY9"/>
+              </a:cxn>
+              <a:cxn ang="0">
+                <a:pos x="connsiteX10" y="connsiteY10"/>
+              </a:cxn>
+              <a:cxn ang="0">
+                <a:pos x="connsiteX11" y="connsiteY11"/>
+              </a:cxn>
+              <a:cxn ang="0">
+                <a:pos x="connsiteX12" y="connsiteY12"/>
+              </a:cxn>
+              <a:cxn ang="0">
+                <a:pos x="connsiteX13" y="connsiteY13"/>
+              </a:cxn>
+              <a:cxn ang="0">
+                <a:pos x="connsiteX14" y="connsiteY14"/>
+              </a:cxn>
+              <a:cxn ang="0">
+                <a:pos x="connsiteX15" y="connsiteY15"/>
+              </a:cxn>
+              <a:cxn ang="0">
+                <a:pos x="connsiteX16" y="connsiteY16"/>
+              </a:cxn>
+              <a:cxn ang="0">
+                <a:pos x="connsiteX17" y="connsiteY17"/>
+              </a:cxn>
+              <a:cxn ang="0">
+                <a:pos x="connsiteX18" y="connsiteY18"/>
+              </a:cxn>
+              <a:cxn ang="0">
+                <a:pos x="connsiteX19" y="connsiteY19"/>
+              </a:cxn>
+              <a:cxn ang="0">
+                <a:pos x="connsiteX20" y="connsiteY20"/>
+              </a:cxn>
+              <a:cxn ang="0">
+                <a:pos x="connsiteX21" y="connsiteY21"/>
+              </a:cxn>
+              <a:cxn ang="0">
+                <a:pos x="connsiteX22" y="connsiteY22"/>
+              </a:cxn>
+              <a:cxn ang="0">
+                <a:pos x="connsiteX23" y="connsiteY23"/>
+              </a:cxn>
+              <a:cxn ang="0">
+                <a:pos x="connsiteX24" y="connsiteY24"/>
+              </a:cxn>
+              <a:cxn ang="0">
+                <a:pos x="connsiteX25" y="connsiteY25"/>
+              </a:cxn>
+              <a:cxn ang="0">
+                <a:pos x="connsiteX26" y="connsiteY26"/>
+              </a:cxn>
+              <a:cxn ang="0">
+                <a:pos x="connsiteX27" y="connsiteY27"/>
+              </a:cxn>
+              <a:cxn ang="0">
+                <a:pos x="connsiteX28" y="connsiteY28"/>
+              </a:cxn>
+              <a:cxn ang="0">
+                <a:pos x="connsiteX29" y="connsiteY29"/>
+              </a:cxn>
+              <a:cxn ang="0">
+                <a:pos x="connsiteX30" y="connsiteY30"/>
+              </a:cxn>
+              <a:cxn ang="0">
+                <a:pos x="connsiteX31" y="connsiteY31"/>
+              </a:cxn>
+              <a:cxn ang="0">
+                <a:pos x="connsiteX32" y="connsiteY32"/>
+              </a:cxn>
+              <a:cxn ang="0">
+                <a:pos x="connsiteX33" y="connsiteY33"/>
+              </a:cxn>
+              <a:cxn ang="0">
+                <a:pos x="connsiteX34" y="connsiteY34"/>
+              </a:cxn>
+              <a:cxn ang="0">
+                <a:pos x="connsiteX35" y="connsiteY35"/>
+              </a:cxn>
+              <a:cxn ang="0">
+                <a:pos x="connsiteX36" y="connsiteY36"/>
+              </a:cxn>
+              <a:cxn ang="0">
+                <a:pos x="connsiteX37" y="connsiteY37"/>
+              </a:cxn>
+              <a:cxn ang="0">
+                <a:pos x="connsiteX38" y="connsiteY38"/>
+              </a:cxn>
+              <a:cxn ang="0">
+                <a:pos x="connsiteX39" y="connsiteY39"/>
+              </a:cxn>
+              <a:cxn ang="0">
+                <a:pos x="connsiteX40" y="connsiteY40"/>
+              </a:cxn>
+              <a:cxn ang="0">
+                <a:pos x="connsiteX41" y="connsiteY41"/>
+              </a:cxn>
+              <a:cxn ang="0">
+                <a:pos x="connsiteX42" y="connsiteY42"/>
+              </a:cxn>
+              <a:cxn ang="0">
+                <a:pos x="connsiteX43" y="connsiteY43"/>
+              </a:cxn>
+              <a:cxn ang="0">
+                <a:pos x="connsiteX44" y="connsiteY44"/>
+              </a:cxn>
+              <a:cxn ang="0">
+                <a:pos x="connsiteX45" y="connsiteY45"/>
+              </a:cxn>
+              <a:cxn ang="0">
+                <a:pos x="connsiteX46" y="connsiteY46"/>
+              </a:cxn>
+            </a:cxnLst>
+            <a:rect l="l" t="t" r="r" b="b"/>
+            <a:pathLst>
+              <a:path w="4381009" h="5892104">
+                <a:moveTo>
+                  <a:pt x="0" y="0"/>
+                </a:moveTo>
+                <a:lnTo>
+                  <a:pt x="4157628" y="0"/>
+                </a:lnTo>
+                <a:lnTo>
+                  <a:pt x="4169302" y="68659"/>
+                </a:lnTo>
+                <a:lnTo>
+                  <a:pt x="4191571" y="205472"/>
+                </a:lnTo>
+                <a:lnTo>
+                  <a:pt x="4213368" y="342890"/>
+                </a:lnTo>
+                <a:lnTo>
+                  <a:pt x="4232030" y="480913"/>
+                </a:lnTo>
+                <a:lnTo>
+                  <a:pt x="4250848" y="618332"/>
+                </a:lnTo>
+                <a:lnTo>
+                  <a:pt x="4268412" y="756355"/>
+                </a:lnTo>
+                <a:lnTo>
+                  <a:pt x="4283467" y="892563"/>
+                </a:lnTo>
+                <a:lnTo>
+                  <a:pt x="4297737" y="1030587"/>
+                </a:lnTo>
+                <a:lnTo>
+                  <a:pt x="4310754" y="1168005"/>
+                </a:lnTo>
+                <a:lnTo>
+                  <a:pt x="4322045" y="1303002"/>
+                </a:lnTo>
+                <a:lnTo>
+                  <a:pt x="4333336" y="1439815"/>
+                </a:lnTo>
+                <a:lnTo>
+                  <a:pt x="4342745" y="1574812"/>
+                </a:lnTo>
+                <a:lnTo>
+                  <a:pt x="4350115" y="1709808"/>
+                </a:lnTo>
+                <a:lnTo>
+                  <a:pt x="4357799" y="1844200"/>
+                </a:lnTo>
+                <a:lnTo>
+                  <a:pt x="4364229" y="1977381"/>
+                </a:lnTo>
+                <a:lnTo>
+                  <a:pt x="4368777" y="2109351"/>
+                </a:lnTo>
+                <a:lnTo>
+                  <a:pt x="4372697" y="2241321"/>
+                </a:lnTo>
+                <a:lnTo>
+                  <a:pt x="4376461" y="2372080"/>
+                </a:lnTo>
+                <a:lnTo>
+                  <a:pt x="4378186" y="2501023"/>
+                </a:lnTo>
+                <a:lnTo>
+                  <a:pt x="4380068" y="2629966"/>
+                </a:lnTo>
+                <a:lnTo>
+                  <a:pt x="4381009" y="2757093"/>
+                </a:lnTo>
+                <a:lnTo>
+                  <a:pt x="4380068" y="2883010"/>
+                </a:lnTo>
+                <a:lnTo>
+                  <a:pt x="4380068" y="3007715"/>
+                </a:lnTo>
+                <a:lnTo>
+                  <a:pt x="4378186" y="3131210"/>
+                </a:lnTo>
+                <a:lnTo>
+                  <a:pt x="4375363" y="3252283"/>
+                </a:lnTo>
+                <a:lnTo>
+                  <a:pt x="4372697" y="3372146"/>
+                </a:lnTo>
+                <a:lnTo>
+                  <a:pt x="4369718" y="3489587"/>
+                </a:lnTo>
+                <a:lnTo>
+                  <a:pt x="4365170" y="3606423"/>
+                </a:lnTo>
+                <a:lnTo>
+                  <a:pt x="4360309" y="3721443"/>
+                </a:lnTo>
+                <a:lnTo>
+                  <a:pt x="4355918" y="3834041"/>
+                </a:lnTo>
+                <a:lnTo>
+                  <a:pt x="4343529" y="4053789"/>
+                </a:lnTo>
+                <a:lnTo>
+                  <a:pt x="4330356" y="4264457"/>
+                </a:lnTo>
+                <a:lnTo>
+                  <a:pt x="4316556" y="4466650"/>
+                </a:lnTo>
+                <a:lnTo>
+                  <a:pt x="4301344" y="4657946"/>
+                </a:lnTo>
+                <a:lnTo>
+                  <a:pt x="4285506" y="4840767"/>
+                </a:lnTo>
+                <a:lnTo>
+                  <a:pt x="4268412" y="5010269"/>
+                </a:lnTo>
+                <a:lnTo>
+                  <a:pt x="4251633" y="5169481"/>
+                </a:lnTo>
+                <a:lnTo>
+                  <a:pt x="4234853" y="5315980"/>
+                </a:lnTo>
+                <a:lnTo>
+                  <a:pt x="4219014" y="5450371"/>
+                </a:lnTo>
+                <a:lnTo>
+                  <a:pt x="4203959" y="5569628"/>
+                </a:lnTo>
+                <a:lnTo>
+                  <a:pt x="4189689" y="5677384"/>
+                </a:lnTo>
+                <a:lnTo>
+                  <a:pt x="4177770" y="5768189"/>
+                </a:lnTo>
+                <a:lnTo>
+                  <a:pt x="4166479" y="5844465"/>
+                </a:lnTo>
+                <a:lnTo>
+                  <a:pt x="4159132" y="5892104"/>
+                </a:lnTo>
+                <a:lnTo>
+                  <a:pt x="0" y="5892104"/>
+                </a:lnTo>
+                <a:close/>
+              </a:path>
+            </a:pathLst>
+          </a:custGeom>
+          <a:solidFill>
+            <a:srgbClr val="404040"/>
+          </a:solidFill>
+          <a:ln>
+            <a:noFill/>
+          </a:ln>
+        </p:spPr>
+        <p:style>
+          <a:lnRef idx="2">
+            <a:schemeClr val="accent1">
+              <a:shade val="50000"/>
+            </a:schemeClr>
+          </a:lnRef>
+          <a:fillRef idx="1">
+            <a:schemeClr val="accent1"/>
+          </a:fillRef>
+          <a:effectRef idx="0">
+            <a:schemeClr val="accent1"/>
+          </a:effectRef>
+          <a:fontRef idx="minor">
+            <a:schemeClr val="lt1"/>
+          </a:fontRef>
+        </p:style>
+        <p:txBody>
+          <a:bodyPr wrap="square" rtlCol="0" anchor="ctr">
+            <a:noAutofit/>
+          </a:bodyPr>
+          <a:lstStyle/>
+          <a:p>
+            <a:pPr marL="0" marR="0" lvl="0" indent="0" algn="ctr" defTabSz="457200" rtl="0" eaLnBrk="1" fontAlgn="auto" latinLnBrk="0" hangingPunct="1">
+              <a:lnSpc>
+                <a:spcPct val="100000"/>
+              </a:lnSpc>
+              <a:spcBef>
+                <a:spcPts val="0"/>
+              </a:spcBef>
+              <a:spcAft>
+                <a:spcPts val="0"/>
+              </a:spcAft>
+              <a:buClrTx/>
+              <a:buSzTx/>
+              <a:buFontTx/>
+              <a:buNone/>
+              <a:tabLst/>
+              <a:defRPr/>
+            </a:pPr>
+            <a:endParaRPr kumimoji="0" lang="en-US" sz="1800" b="0" i="0" u="none" strike="noStrike" kern="1200" cap="none" spc="0" normalizeH="0" baseline="0" noProof="0">
+              <a:ln>
+                <a:noFill/>
+              </a:ln>
+              <a:solidFill>
+                <a:prstClr val="white"/>
+              </a:solidFill>
+              <a:effectLst/>
+              <a:uLnTx/>
+              <a:uFillTx/>
+              <a:latin typeface="Calibri" panose="020F0502020204030204"/>
+              <a:ea typeface="+mn-ea"/>
+              <a:cs typeface="+mn-cs"/>
+            </a:endParaRPr>
+          </a:p>
+        </p:txBody>
+      </p:sp>
+      <p:sp>
+        <p:nvSpPr>
+          <p:cNvPr id="2" name="Title 1">
+            <a:extLst>
+              <a:ext uri="{FF2B5EF4-FFF2-40B4-BE49-F238E27FC236}">
                 <a16:creationId xmlns:a16="http://schemas.microsoft.com/office/drawing/2014/main" id="{7955B3C7-3AD6-4408-AA09-C089B25AC7C7}"/>
               </a:ext>
             </a:extLst>
@@ -48220,7 +48435,7 @@
 </p:sld>
 </file>
 
-<file path=ppt/slides/slide21.xml><?xml version="1.0" encoding="utf-8"?>
+<file path=ppt/slides/slide22.xml><?xml version="1.0" encoding="utf-8"?>
 <p:sld xmlns:a="http://schemas.openxmlformats.org/drawingml/2006/main" xmlns:r="http://schemas.openxmlformats.org/officeDocument/2006/relationships" xmlns:p="http://schemas.openxmlformats.org/presentationml/2006/main">
   <p:cSld>
     <p:bg>
@@ -48634,7 +48849,7 @@
 </p:sld>
 </file>
 
-<file path=ppt/slides/slide22.xml><?xml version="1.0" encoding="utf-8"?>
+<file path=ppt/slides/slide23.xml><?xml version="1.0" encoding="utf-8"?>
 <p:sld xmlns:a="http://schemas.openxmlformats.org/drawingml/2006/main" xmlns:r="http://schemas.openxmlformats.org/officeDocument/2006/relationships" xmlns:p="http://schemas.openxmlformats.org/presentationml/2006/main">
   <p:cSld>
     <p:bg>
@@ -49048,7 +49263,7 @@
 </p:sld>
 </file>
 
-<file path=ppt/slides/slide23.xml><?xml version="1.0" encoding="utf-8"?>
+<file path=ppt/slides/slide24.xml><?xml version="1.0" encoding="utf-8"?>
 <p:sld xmlns:a="http://schemas.openxmlformats.org/drawingml/2006/main" xmlns:r="http://schemas.openxmlformats.org/officeDocument/2006/relationships" xmlns:p="http://schemas.openxmlformats.org/presentationml/2006/main">
   <p:cSld>
     <p:bg>
@@ -49637,7 +49852,7 @@
 </p:sld>
 </file>
 
-<file path=ppt/slides/slide24.xml><?xml version="1.0" encoding="utf-8"?>
+<file path=ppt/slides/slide25.xml><?xml version="1.0" encoding="utf-8"?>
 <p:sld xmlns:a="http://schemas.openxmlformats.org/drawingml/2006/main" xmlns:r="http://schemas.openxmlformats.org/officeDocument/2006/relationships" xmlns:p="http://schemas.openxmlformats.org/presentationml/2006/main">
   <p:cSld>
     <p:bg>
@@ -49805,7 +50020,7 @@
 </p:sld>
 </file>
 
-<file path=ppt/slides/slide25.xml><?xml version="1.0" encoding="utf-8"?>
+<file path=ppt/slides/slide26.xml><?xml version="1.0" encoding="utf-8"?>
 <p:sld xmlns:a="http://schemas.openxmlformats.org/drawingml/2006/main" xmlns:r="http://schemas.openxmlformats.org/officeDocument/2006/relationships" xmlns:p="http://schemas.openxmlformats.org/presentationml/2006/main">
   <p:cSld>
     <p:spTree>
